--- a/Classificazione.pptx
+++ b/Classificazione.pptx
@@ -206,7 +206,7 @@
           <a:p>
             <a:fld id="{8BE74064-FF68-4EF7-B9D1-B4F84F29404D}" type="datetimeFigureOut">
               <a:rPr lang="it-IT" smtClean="0"/>
-              <a:t>04/10/2017</a:t>
+              <a:t>05/10/17</a:t>
             </a:fld>
             <a:endParaRPr lang="it-IT"/>
           </a:p>
@@ -364,7 +364,7 @@
           <a:p>
             <a:fld id="{B4948F65-F35A-49D0-8B62-181FDF7E5994}" type="slidenum">
               <a:rPr lang="it-IT" smtClean="0"/>
-              <a:t>‹N›</a:t>
+              <a:t>‹n.›</a:t>
             </a:fld>
             <a:endParaRPr lang="it-IT"/>
           </a:p>
@@ -495,7 +495,7 @@
           <p:cNvPr id="2" name="Titolo 1">
             <a:extLst>
               <a:ext uri="{FF2B5EF4-FFF2-40B4-BE49-F238E27FC236}">
-                <a16:creationId xmlns:a16="http://schemas.microsoft.com/office/drawing/2014/main" id="{9AB8092B-A115-401B-89EE-3943D3E98721}"/>
+                <a16:creationId xmlns:a16="http://schemas.microsoft.com/office/drawing/2014/main" xmlns="" id="{9AB8092B-A115-401B-89EE-3943D3E98721}"/>
               </a:ext>
             </a:extLst>
           </p:cNvPr>
@@ -532,7 +532,7 @@
           <p:cNvPr id="3" name="Sottotitolo 2">
             <a:extLst>
               <a:ext uri="{FF2B5EF4-FFF2-40B4-BE49-F238E27FC236}">
-                <a16:creationId xmlns:a16="http://schemas.microsoft.com/office/drawing/2014/main" id="{606FD1A5-03AC-4401-B833-2A8817059D53}"/>
+                <a16:creationId xmlns:a16="http://schemas.microsoft.com/office/drawing/2014/main" xmlns="" id="{606FD1A5-03AC-4401-B833-2A8817059D53}"/>
               </a:ext>
             </a:extLst>
           </p:cNvPr>
@@ -602,7 +602,7 @@
           <p:cNvPr id="4" name="Segnaposto data 3">
             <a:extLst>
               <a:ext uri="{FF2B5EF4-FFF2-40B4-BE49-F238E27FC236}">
-                <a16:creationId xmlns:a16="http://schemas.microsoft.com/office/drawing/2014/main" id="{C77188C8-CDF0-49A2-8067-417EA0A6305C}"/>
+                <a16:creationId xmlns:a16="http://schemas.microsoft.com/office/drawing/2014/main" xmlns="" id="{C77188C8-CDF0-49A2-8067-417EA0A6305C}"/>
               </a:ext>
             </a:extLst>
           </p:cNvPr>
@@ -620,7 +620,7 @@
           <a:p>
             <a:fld id="{3B3FC957-BDF8-4513-94BD-855091CE67AE}" type="datetime1">
               <a:rPr lang="it-IT" smtClean="0"/>
-              <a:t>04/10/2017</a:t>
+              <a:t>05/10/17</a:t>
             </a:fld>
             <a:endParaRPr lang="it-IT"/>
           </a:p>
@@ -631,7 +631,7 @@
           <p:cNvPr id="5" name="Segnaposto piè di pagina 4">
             <a:extLst>
               <a:ext uri="{FF2B5EF4-FFF2-40B4-BE49-F238E27FC236}">
-                <a16:creationId xmlns:a16="http://schemas.microsoft.com/office/drawing/2014/main" id="{4A10998C-0504-477E-BD47-00B86CAC4126}"/>
+                <a16:creationId xmlns:a16="http://schemas.microsoft.com/office/drawing/2014/main" xmlns="" id="{4A10998C-0504-477E-BD47-00B86CAC4126}"/>
               </a:ext>
             </a:extLst>
           </p:cNvPr>
@@ -659,7 +659,7 @@
           <p:cNvPr id="6" name="Segnaposto numero diapositiva 5">
             <a:extLst>
               <a:ext uri="{FF2B5EF4-FFF2-40B4-BE49-F238E27FC236}">
-                <a16:creationId xmlns:a16="http://schemas.microsoft.com/office/drawing/2014/main" id="{42868120-AA5F-4815-8395-EC9C54BA714C}"/>
+                <a16:creationId xmlns:a16="http://schemas.microsoft.com/office/drawing/2014/main" xmlns="" id="{42868120-AA5F-4815-8395-EC9C54BA714C}"/>
               </a:ext>
             </a:extLst>
           </p:cNvPr>
@@ -677,7 +677,7 @@
           <a:p>
             <a:fld id="{0150394D-6962-46ED-B8A1-7274287609B8}" type="slidenum">
               <a:rPr lang="it-IT" smtClean="0"/>
-              <a:t>‹N›</a:t>
+              <a:t>‹n.›</a:t>
             </a:fld>
             <a:endParaRPr lang="it-IT"/>
           </a:p>
@@ -718,7 +718,7 @@
           <p:cNvPr id="2" name="Titolo 1">
             <a:extLst>
               <a:ext uri="{FF2B5EF4-FFF2-40B4-BE49-F238E27FC236}">
-                <a16:creationId xmlns:a16="http://schemas.microsoft.com/office/drawing/2014/main" id="{83931E8E-40A7-4153-9761-F1A0585727AF}"/>
+                <a16:creationId xmlns:a16="http://schemas.microsoft.com/office/drawing/2014/main" xmlns="" id="{83931E8E-40A7-4153-9761-F1A0585727AF}"/>
               </a:ext>
             </a:extLst>
           </p:cNvPr>
@@ -746,7 +746,7 @@
           <p:cNvPr id="3" name="Segnaposto testo verticale 2">
             <a:extLst>
               <a:ext uri="{FF2B5EF4-FFF2-40B4-BE49-F238E27FC236}">
-                <a16:creationId xmlns:a16="http://schemas.microsoft.com/office/drawing/2014/main" id="{BFE3F2FA-6034-4A17-AA44-7E42F0F44DFF}"/>
+                <a16:creationId xmlns:a16="http://schemas.microsoft.com/office/drawing/2014/main" xmlns="" id="{BFE3F2FA-6034-4A17-AA44-7E42F0F44DFF}"/>
               </a:ext>
             </a:extLst>
           </p:cNvPr>
@@ -803,7 +803,7 @@
           <p:cNvPr id="4" name="Segnaposto data 3">
             <a:extLst>
               <a:ext uri="{FF2B5EF4-FFF2-40B4-BE49-F238E27FC236}">
-                <a16:creationId xmlns:a16="http://schemas.microsoft.com/office/drawing/2014/main" id="{B837260D-3509-431D-B2A1-2DE00CFA0DC5}"/>
+                <a16:creationId xmlns:a16="http://schemas.microsoft.com/office/drawing/2014/main" xmlns="" id="{B837260D-3509-431D-B2A1-2DE00CFA0DC5}"/>
               </a:ext>
             </a:extLst>
           </p:cNvPr>
@@ -821,7 +821,7 @@
           <a:p>
             <a:fld id="{8696F7A1-CAEC-40BA-B7AB-26CCAE58A1B6}" type="datetime1">
               <a:rPr lang="it-IT" smtClean="0"/>
-              <a:t>04/10/2017</a:t>
+              <a:t>05/10/17</a:t>
             </a:fld>
             <a:endParaRPr lang="it-IT"/>
           </a:p>
@@ -832,7 +832,7 @@
           <p:cNvPr id="5" name="Segnaposto piè di pagina 4">
             <a:extLst>
               <a:ext uri="{FF2B5EF4-FFF2-40B4-BE49-F238E27FC236}">
-                <a16:creationId xmlns:a16="http://schemas.microsoft.com/office/drawing/2014/main" id="{B967F7EA-99C4-4488-B533-0F29DADEF0E6}"/>
+                <a16:creationId xmlns:a16="http://schemas.microsoft.com/office/drawing/2014/main" xmlns="" id="{B967F7EA-99C4-4488-B533-0F29DADEF0E6}"/>
               </a:ext>
             </a:extLst>
           </p:cNvPr>
@@ -860,7 +860,7 @@
           <p:cNvPr id="6" name="Segnaposto numero diapositiva 5">
             <a:extLst>
               <a:ext uri="{FF2B5EF4-FFF2-40B4-BE49-F238E27FC236}">
-                <a16:creationId xmlns:a16="http://schemas.microsoft.com/office/drawing/2014/main" id="{6CF0212B-A126-4422-9077-EB6334326A8B}"/>
+                <a16:creationId xmlns:a16="http://schemas.microsoft.com/office/drawing/2014/main" xmlns="" id="{6CF0212B-A126-4422-9077-EB6334326A8B}"/>
               </a:ext>
             </a:extLst>
           </p:cNvPr>
@@ -878,7 +878,7 @@
           <a:p>
             <a:fld id="{0150394D-6962-46ED-B8A1-7274287609B8}" type="slidenum">
               <a:rPr lang="it-IT" smtClean="0"/>
-              <a:t>‹N›</a:t>
+              <a:t>‹n.›</a:t>
             </a:fld>
             <a:endParaRPr lang="it-IT"/>
           </a:p>
@@ -919,7 +919,7 @@
           <p:cNvPr id="2" name="Titolo verticale 1">
             <a:extLst>
               <a:ext uri="{FF2B5EF4-FFF2-40B4-BE49-F238E27FC236}">
-                <a16:creationId xmlns:a16="http://schemas.microsoft.com/office/drawing/2014/main" id="{85B11CE2-22B4-4C3C-8680-2F9ABAD4639C}"/>
+                <a16:creationId xmlns:a16="http://schemas.microsoft.com/office/drawing/2014/main" xmlns="" id="{85B11CE2-22B4-4C3C-8680-2F9ABAD4639C}"/>
               </a:ext>
             </a:extLst>
           </p:cNvPr>
@@ -952,7 +952,7 @@
           <p:cNvPr id="3" name="Segnaposto testo verticale 2">
             <a:extLst>
               <a:ext uri="{FF2B5EF4-FFF2-40B4-BE49-F238E27FC236}">
-                <a16:creationId xmlns:a16="http://schemas.microsoft.com/office/drawing/2014/main" id="{8191E9C1-6315-4807-9905-FF6AC8203BCC}"/>
+                <a16:creationId xmlns:a16="http://schemas.microsoft.com/office/drawing/2014/main" xmlns="" id="{8191E9C1-6315-4807-9905-FF6AC8203BCC}"/>
               </a:ext>
             </a:extLst>
           </p:cNvPr>
@@ -1014,7 +1014,7 @@
           <p:cNvPr id="4" name="Segnaposto data 3">
             <a:extLst>
               <a:ext uri="{FF2B5EF4-FFF2-40B4-BE49-F238E27FC236}">
-                <a16:creationId xmlns:a16="http://schemas.microsoft.com/office/drawing/2014/main" id="{8C9B2EA2-C1F9-4AE9-88CD-AD22D43F4FEF}"/>
+                <a16:creationId xmlns:a16="http://schemas.microsoft.com/office/drawing/2014/main" xmlns="" id="{8C9B2EA2-C1F9-4AE9-88CD-AD22D43F4FEF}"/>
               </a:ext>
             </a:extLst>
           </p:cNvPr>
@@ -1032,7 +1032,7 @@
           <a:p>
             <a:fld id="{78BF72E8-B898-41ED-AFB4-26B80DC32E1F}" type="datetime1">
               <a:rPr lang="it-IT" smtClean="0"/>
-              <a:t>04/10/2017</a:t>
+              <a:t>05/10/17</a:t>
             </a:fld>
             <a:endParaRPr lang="it-IT"/>
           </a:p>
@@ -1043,7 +1043,7 @@
           <p:cNvPr id="5" name="Segnaposto piè di pagina 4">
             <a:extLst>
               <a:ext uri="{FF2B5EF4-FFF2-40B4-BE49-F238E27FC236}">
-                <a16:creationId xmlns:a16="http://schemas.microsoft.com/office/drawing/2014/main" id="{32E56184-2CB7-4833-891D-FAE69690B061}"/>
+                <a16:creationId xmlns:a16="http://schemas.microsoft.com/office/drawing/2014/main" xmlns="" id="{32E56184-2CB7-4833-891D-FAE69690B061}"/>
               </a:ext>
             </a:extLst>
           </p:cNvPr>
@@ -1071,7 +1071,7 @@
           <p:cNvPr id="6" name="Segnaposto numero diapositiva 5">
             <a:extLst>
               <a:ext uri="{FF2B5EF4-FFF2-40B4-BE49-F238E27FC236}">
-                <a16:creationId xmlns:a16="http://schemas.microsoft.com/office/drawing/2014/main" id="{95C89FB9-8DEC-45EE-999A-E02A4972F799}"/>
+                <a16:creationId xmlns:a16="http://schemas.microsoft.com/office/drawing/2014/main" xmlns="" id="{95C89FB9-8DEC-45EE-999A-E02A4972F799}"/>
               </a:ext>
             </a:extLst>
           </p:cNvPr>
@@ -1089,7 +1089,7 @@
           <a:p>
             <a:fld id="{0150394D-6962-46ED-B8A1-7274287609B8}" type="slidenum">
               <a:rPr lang="it-IT" smtClean="0"/>
-              <a:t>‹N›</a:t>
+              <a:t>‹n.›</a:t>
             </a:fld>
             <a:endParaRPr lang="it-IT"/>
           </a:p>
@@ -1130,7 +1130,7 @@
           <p:cNvPr id="2" name="Titolo 1">
             <a:extLst>
               <a:ext uri="{FF2B5EF4-FFF2-40B4-BE49-F238E27FC236}">
-                <a16:creationId xmlns:a16="http://schemas.microsoft.com/office/drawing/2014/main" id="{C62457BE-93EB-41C7-8E8B-C88F5AC14EB6}"/>
+                <a16:creationId xmlns:a16="http://schemas.microsoft.com/office/drawing/2014/main" xmlns="" id="{C62457BE-93EB-41C7-8E8B-C88F5AC14EB6}"/>
               </a:ext>
             </a:extLst>
           </p:cNvPr>
@@ -1158,7 +1158,7 @@
           <p:cNvPr id="3" name="Segnaposto contenuto 2">
             <a:extLst>
               <a:ext uri="{FF2B5EF4-FFF2-40B4-BE49-F238E27FC236}">
-                <a16:creationId xmlns:a16="http://schemas.microsoft.com/office/drawing/2014/main" id="{649893D2-2701-490F-A113-7107C228CA88}"/>
+                <a16:creationId xmlns:a16="http://schemas.microsoft.com/office/drawing/2014/main" xmlns="" id="{649893D2-2701-490F-A113-7107C228CA88}"/>
               </a:ext>
             </a:extLst>
           </p:cNvPr>
@@ -1215,7 +1215,7 @@
           <p:cNvPr id="4" name="Segnaposto data 3">
             <a:extLst>
               <a:ext uri="{FF2B5EF4-FFF2-40B4-BE49-F238E27FC236}">
-                <a16:creationId xmlns:a16="http://schemas.microsoft.com/office/drawing/2014/main" id="{ED141BF7-2802-443C-A104-41507B725D9E}"/>
+                <a16:creationId xmlns:a16="http://schemas.microsoft.com/office/drawing/2014/main" xmlns="" id="{ED141BF7-2802-443C-A104-41507B725D9E}"/>
               </a:ext>
             </a:extLst>
           </p:cNvPr>
@@ -1233,7 +1233,7 @@
           <a:p>
             <a:fld id="{3D3E2BCB-B333-474E-B9AD-87A9DAEE222E}" type="datetime1">
               <a:rPr lang="it-IT" smtClean="0"/>
-              <a:t>04/10/2017</a:t>
+              <a:t>05/10/17</a:t>
             </a:fld>
             <a:endParaRPr lang="it-IT"/>
           </a:p>
@@ -1244,7 +1244,7 @@
           <p:cNvPr id="5" name="Segnaposto piè di pagina 4">
             <a:extLst>
               <a:ext uri="{FF2B5EF4-FFF2-40B4-BE49-F238E27FC236}">
-                <a16:creationId xmlns:a16="http://schemas.microsoft.com/office/drawing/2014/main" id="{48FE409A-DB8E-4613-B4D1-46C2A2206D78}"/>
+                <a16:creationId xmlns:a16="http://schemas.microsoft.com/office/drawing/2014/main" xmlns="" id="{48FE409A-DB8E-4613-B4D1-46C2A2206D78}"/>
               </a:ext>
             </a:extLst>
           </p:cNvPr>
@@ -1272,7 +1272,7 @@
           <p:cNvPr id="6" name="Segnaposto numero diapositiva 5">
             <a:extLst>
               <a:ext uri="{FF2B5EF4-FFF2-40B4-BE49-F238E27FC236}">
-                <a16:creationId xmlns:a16="http://schemas.microsoft.com/office/drawing/2014/main" id="{B521A683-DBB3-413B-ABAF-0E46B53F4F88}"/>
+                <a16:creationId xmlns:a16="http://schemas.microsoft.com/office/drawing/2014/main" xmlns="" id="{B521A683-DBB3-413B-ABAF-0E46B53F4F88}"/>
               </a:ext>
             </a:extLst>
           </p:cNvPr>
@@ -1290,7 +1290,7 @@
           <a:p>
             <a:fld id="{0150394D-6962-46ED-B8A1-7274287609B8}" type="slidenum">
               <a:rPr lang="it-IT" smtClean="0"/>
-              <a:t>‹N›</a:t>
+              <a:t>‹n.›</a:t>
             </a:fld>
             <a:endParaRPr lang="it-IT"/>
           </a:p>
@@ -1331,7 +1331,7 @@
           <p:cNvPr id="2" name="Titolo 1">
             <a:extLst>
               <a:ext uri="{FF2B5EF4-FFF2-40B4-BE49-F238E27FC236}">
-                <a16:creationId xmlns:a16="http://schemas.microsoft.com/office/drawing/2014/main" id="{0517FC68-BFE5-425A-A105-530249578B11}"/>
+                <a16:creationId xmlns:a16="http://schemas.microsoft.com/office/drawing/2014/main" xmlns="" id="{0517FC68-BFE5-425A-A105-530249578B11}"/>
               </a:ext>
             </a:extLst>
           </p:cNvPr>
@@ -1368,7 +1368,7 @@
           <p:cNvPr id="3" name="Segnaposto testo 2">
             <a:extLst>
               <a:ext uri="{FF2B5EF4-FFF2-40B4-BE49-F238E27FC236}">
-                <a16:creationId xmlns:a16="http://schemas.microsoft.com/office/drawing/2014/main" id="{946C3374-BA74-437E-B4CE-69582E32E055}"/>
+                <a16:creationId xmlns:a16="http://schemas.microsoft.com/office/drawing/2014/main" xmlns="" id="{946C3374-BA74-437E-B4CE-69582E32E055}"/>
               </a:ext>
             </a:extLst>
           </p:cNvPr>
@@ -1493,7 +1493,7 @@
           <p:cNvPr id="4" name="Segnaposto data 3">
             <a:extLst>
               <a:ext uri="{FF2B5EF4-FFF2-40B4-BE49-F238E27FC236}">
-                <a16:creationId xmlns:a16="http://schemas.microsoft.com/office/drawing/2014/main" id="{905B6ADB-A0DF-48B3-800E-49E46208D20B}"/>
+                <a16:creationId xmlns:a16="http://schemas.microsoft.com/office/drawing/2014/main" xmlns="" id="{905B6ADB-A0DF-48B3-800E-49E46208D20B}"/>
               </a:ext>
             </a:extLst>
           </p:cNvPr>
@@ -1511,7 +1511,7 @@
           <a:p>
             <a:fld id="{8A4E5B70-D470-4ECC-A420-0D164634466B}" type="datetime1">
               <a:rPr lang="it-IT" smtClean="0"/>
-              <a:t>04/10/2017</a:t>
+              <a:t>05/10/17</a:t>
             </a:fld>
             <a:endParaRPr lang="it-IT"/>
           </a:p>
@@ -1522,7 +1522,7 @@
           <p:cNvPr id="5" name="Segnaposto piè di pagina 4">
             <a:extLst>
               <a:ext uri="{FF2B5EF4-FFF2-40B4-BE49-F238E27FC236}">
-                <a16:creationId xmlns:a16="http://schemas.microsoft.com/office/drawing/2014/main" id="{F2E79C65-715C-4E2D-9DFF-E6FE3234D958}"/>
+                <a16:creationId xmlns:a16="http://schemas.microsoft.com/office/drawing/2014/main" xmlns="" id="{F2E79C65-715C-4E2D-9DFF-E6FE3234D958}"/>
               </a:ext>
             </a:extLst>
           </p:cNvPr>
@@ -1550,7 +1550,7 @@
           <p:cNvPr id="6" name="Segnaposto numero diapositiva 5">
             <a:extLst>
               <a:ext uri="{FF2B5EF4-FFF2-40B4-BE49-F238E27FC236}">
-                <a16:creationId xmlns:a16="http://schemas.microsoft.com/office/drawing/2014/main" id="{31B81BA1-7115-404B-935E-AF6D56CBF9A5}"/>
+                <a16:creationId xmlns:a16="http://schemas.microsoft.com/office/drawing/2014/main" xmlns="" id="{31B81BA1-7115-404B-935E-AF6D56CBF9A5}"/>
               </a:ext>
             </a:extLst>
           </p:cNvPr>
@@ -1568,7 +1568,7 @@
           <a:p>
             <a:fld id="{0150394D-6962-46ED-B8A1-7274287609B8}" type="slidenum">
               <a:rPr lang="it-IT" smtClean="0"/>
-              <a:t>‹N›</a:t>
+              <a:t>‹n.›</a:t>
             </a:fld>
             <a:endParaRPr lang="it-IT"/>
           </a:p>
@@ -1609,7 +1609,7 @@
           <p:cNvPr id="2" name="Titolo 1">
             <a:extLst>
               <a:ext uri="{FF2B5EF4-FFF2-40B4-BE49-F238E27FC236}">
-                <a16:creationId xmlns:a16="http://schemas.microsoft.com/office/drawing/2014/main" id="{525B2F88-6C9D-453A-B308-BEEDF3082E9A}"/>
+                <a16:creationId xmlns:a16="http://schemas.microsoft.com/office/drawing/2014/main" xmlns="" id="{525B2F88-6C9D-453A-B308-BEEDF3082E9A}"/>
               </a:ext>
             </a:extLst>
           </p:cNvPr>
@@ -1637,7 +1637,7 @@
           <p:cNvPr id="3" name="Segnaposto contenuto 2">
             <a:extLst>
               <a:ext uri="{FF2B5EF4-FFF2-40B4-BE49-F238E27FC236}">
-                <a16:creationId xmlns:a16="http://schemas.microsoft.com/office/drawing/2014/main" id="{78D736A7-4F2C-4178-AA99-6D0CAA2215AF}"/>
+                <a16:creationId xmlns:a16="http://schemas.microsoft.com/office/drawing/2014/main" xmlns="" id="{78D736A7-4F2C-4178-AA99-6D0CAA2215AF}"/>
               </a:ext>
             </a:extLst>
           </p:cNvPr>
@@ -1699,7 +1699,7 @@
           <p:cNvPr id="4" name="Segnaposto contenuto 3">
             <a:extLst>
               <a:ext uri="{FF2B5EF4-FFF2-40B4-BE49-F238E27FC236}">
-                <a16:creationId xmlns:a16="http://schemas.microsoft.com/office/drawing/2014/main" id="{F3E2DC04-5AC7-46F2-8CAD-141A62233D9B}"/>
+                <a16:creationId xmlns:a16="http://schemas.microsoft.com/office/drawing/2014/main" xmlns="" id="{F3E2DC04-5AC7-46F2-8CAD-141A62233D9B}"/>
               </a:ext>
             </a:extLst>
           </p:cNvPr>
@@ -1761,7 +1761,7 @@
           <p:cNvPr id="5" name="Segnaposto data 4">
             <a:extLst>
               <a:ext uri="{FF2B5EF4-FFF2-40B4-BE49-F238E27FC236}">
-                <a16:creationId xmlns:a16="http://schemas.microsoft.com/office/drawing/2014/main" id="{3880D1AA-EEED-44A2-82AE-4D6952F61315}"/>
+                <a16:creationId xmlns:a16="http://schemas.microsoft.com/office/drawing/2014/main" xmlns="" id="{3880D1AA-EEED-44A2-82AE-4D6952F61315}"/>
               </a:ext>
             </a:extLst>
           </p:cNvPr>
@@ -1779,7 +1779,7 @@
           <a:p>
             <a:fld id="{978DCEC0-82D9-4DD7-A533-7FC4E130E9C8}" type="datetime1">
               <a:rPr lang="it-IT" smtClean="0"/>
-              <a:t>04/10/2017</a:t>
+              <a:t>05/10/17</a:t>
             </a:fld>
             <a:endParaRPr lang="it-IT"/>
           </a:p>
@@ -1790,7 +1790,7 @@
           <p:cNvPr id="6" name="Segnaposto piè di pagina 5">
             <a:extLst>
               <a:ext uri="{FF2B5EF4-FFF2-40B4-BE49-F238E27FC236}">
-                <a16:creationId xmlns:a16="http://schemas.microsoft.com/office/drawing/2014/main" id="{DE62352C-95F3-4A2F-A53D-8EC16C842881}"/>
+                <a16:creationId xmlns:a16="http://schemas.microsoft.com/office/drawing/2014/main" xmlns="" id="{DE62352C-95F3-4A2F-A53D-8EC16C842881}"/>
               </a:ext>
             </a:extLst>
           </p:cNvPr>
@@ -1818,7 +1818,7 @@
           <p:cNvPr id="7" name="Segnaposto numero diapositiva 6">
             <a:extLst>
               <a:ext uri="{FF2B5EF4-FFF2-40B4-BE49-F238E27FC236}">
-                <a16:creationId xmlns:a16="http://schemas.microsoft.com/office/drawing/2014/main" id="{2DEFB0CD-BA4E-4935-93B6-8F8FA32A05A6}"/>
+                <a16:creationId xmlns:a16="http://schemas.microsoft.com/office/drawing/2014/main" xmlns="" id="{2DEFB0CD-BA4E-4935-93B6-8F8FA32A05A6}"/>
               </a:ext>
             </a:extLst>
           </p:cNvPr>
@@ -1836,7 +1836,7 @@
           <a:p>
             <a:fld id="{0150394D-6962-46ED-B8A1-7274287609B8}" type="slidenum">
               <a:rPr lang="it-IT" smtClean="0"/>
-              <a:t>‹N›</a:t>
+              <a:t>‹n.›</a:t>
             </a:fld>
             <a:endParaRPr lang="it-IT"/>
           </a:p>
@@ -1877,7 +1877,7 @@
           <p:cNvPr id="2" name="Titolo 1">
             <a:extLst>
               <a:ext uri="{FF2B5EF4-FFF2-40B4-BE49-F238E27FC236}">
-                <a16:creationId xmlns:a16="http://schemas.microsoft.com/office/drawing/2014/main" id="{9B1F35A8-1711-4886-89EF-4D23BBD24298}"/>
+                <a16:creationId xmlns:a16="http://schemas.microsoft.com/office/drawing/2014/main" xmlns="" id="{9B1F35A8-1711-4886-89EF-4D23BBD24298}"/>
               </a:ext>
             </a:extLst>
           </p:cNvPr>
@@ -1910,7 +1910,7 @@
           <p:cNvPr id="3" name="Segnaposto testo 2">
             <a:extLst>
               <a:ext uri="{FF2B5EF4-FFF2-40B4-BE49-F238E27FC236}">
-                <a16:creationId xmlns:a16="http://schemas.microsoft.com/office/drawing/2014/main" id="{6938BC4D-048A-43E3-A868-E1F0276CA57E}"/>
+                <a16:creationId xmlns:a16="http://schemas.microsoft.com/office/drawing/2014/main" xmlns="" id="{6938BC4D-048A-43E3-A868-E1F0276CA57E}"/>
               </a:ext>
             </a:extLst>
           </p:cNvPr>
@@ -1981,7 +1981,7 @@
           <p:cNvPr id="4" name="Segnaposto contenuto 3">
             <a:extLst>
               <a:ext uri="{FF2B5EF4-FFF2-40B4-BE49-F238E27FC236}">
-                <a16:creationId xmlns:a16="http://schemas.microsoft.com/office/drawing/2014/main" id="{72FE1A3F-C82B-4F2D-8717-0FA0E6A867F0}"/>
+                <a16:creationId xmlns:a16="http://schemas.microsoft.com/office/drawing/2014/main" xmlns="" id="{72FE1A3F-C82B-4F2D-8717-0FA0E6A867F0}"/>
               </a:ext>
             </a:extLst>
           </p:cNvPr>
@@ -2043,7 +2043,7 @@
           <p:cNvPr id="5" name="Segnaposto testo 4">
             <a:extLst>
               <a:ext uri="{FF2B5EF4-FFF2-40B4-BE49-F238E27FC236}">
-                <a16:creationId xmlns:a16="http://schemas.microsoft.com/office/drawing/2014/main" id="{61393BF3-0A58-4F09-888F-30F940330328}"/>
+                <a16:creationId xmlns:a16="http://schemas.microsoft.com/office/drawing/2014/main" xmlns="" id="{61393BF3-0A58-4F09-888F-30F940330328}"/>
               </a:ext>
             </a:extLst>
           </p:cNvPr>
@@ -2114,7 +2114,7 @@
           <p:cNvPr id="6" name="Segnaposto contenuto 5">
             <a:extLst>
               <a:ext uri="{FF2B5EF4-FFF2-40B4-BE49-F238E27FC236}">
-                <a16:creationId xmlns:a16="http://schemas.microsoft.com/office/drawing/2014/main" id="{6CCDB804-8CAC-4A89-8167-71C0CCA539EA}"/>
+                <a16:creationId xmlns:a16="http://schemas.microsoft.com/office/drawing/2014/main" xmlns="" id="{6CCDB804-8CAC-4A89-8167-71C0CCA539EA}"/>
               </a:ext>
             </a:extLst>
           </p:cNvPr>
@@ -2176,7 +2176,7 @@
           <p:cNvPr id="7" name="Segnaposto data 6">
             <a:extLst>
               <a:ext uri="{FF2B5EF4-FFF2-40B4-BE49-F238E27FC236}">
-                <a16:creationId xmlns:a16="http://schemas.microsoft.com/office/drawing/2014/main" id="{958DDCF4-7CF0-43A8-9617-809DA5836690}"/>
+                <a16:creationId xmlns:a16="http://schemas.microsoft.com/office/drawing/2014/main" xmlns="" id="{958DDCF4-7CF0-43A8-9617-809DA5836690}"/>
               </a:ext>
             </a:extLst>
           </p:cNvPr>
@@ -2194,7 +2194,7 @@
           <a:p>
             <a:fld id="{E0B23BC9-7F12-43DF-9E4C-EE38062640E3}" type="datetime1">
               <a:rPr lang="it-IT" smtClean="0"/>
-              <a:t>04/10/2017</a:t>
+              <a:t>05/10/17</a:t>
             </a:fld>
             <a:endParaRPr lang="it-IT"/>
           </a:p>
@@ -2205,7 +2205,7 @@
           <p:cNvPr id="8" name="Segnaposto piè di pagina 7">
             <a:extLst>
               <a:ext uri="{FF2B5EF4-FFF2-40B4-BE49-F238E27FC236}">
-                <a16:creationId xmlns:a16="http://schemas.microsoft.com/office/drawing/2014/main" id="{12073901-9D8C-43BD-837E-83652C4C04F3}"/>
+                <a16:creationId xmlns:a16="http://schemas.microsoft.com/office/drawing/2014/main" xmlns="" id="{12073901-9D8C-43BD-837E-83652C4C04F3}"/>
               </a:ext>
             </a:extLst>
           </p:cNvPr>
@@ -2233,7 +2233,7 @@
           <p:cNvPr id="9" name="Segnaposto numero diapositiva 8">
             <a:extLst>
               <a:ext uri="{FF2B5EF4-FFF2-40B4-BE49-F238E27FC236}">
-                <a16:creationId xmlns:a16="http://schemas.microsoft.com/office/drawing/2014/main" id="{32720806-10E3-482D-8F57-AF80F29C5287}"/>
+                <a16:creationId xmlns:a16="http://schemas.microsoft.com/office/drawing/2014/main" xmlns="" id="{32720806-10E3-482D-8F57-AF80F29C5287}"/>
               </a:ext>
             </a:extLst>
           </p:cNvPr>
@@ -2251,7 +2251,7 @@
           <a:p>
             <a:fld id="{0150394D-6962-46ED-B8A1-7274287609B8}" type="slidenum">
               <a:rPr lang="it-IT" smtClean="0"/>
-              <a:t>‹N›</a:t>
+              <a:t>‹n.›</a:t>
             </a:fld>
             <a:endParaRPr lang="it-IT"/>
           </a:p>
@@ -2292,7 +2292,7 @@
           <p:cNvPr id="2" name="Titolo 1">
             <a:extLst>
               <a:ext uri="{FF2B5EF4-FFF2-40B4-BE49-F238E27FC236}">
-                <a16:creationId xmlns:a16="http://schemas.microsoft.com/office/drawing/2014/main" id="{E05D2F23-3DD9-4964-8E21-C05033DF2C5D}"/>
+                <a16:creationId xmlns:a16="http://schemas.microsoft.com/office/drawing/2014/main" xmlns="" id="{E05D2F23-3DD9-4964-8E21-C05033DF2C5D}"/>
               </a:ext>
             </a:extLst>
           </p:cNvPr>
@@ -2320,7 +2320,7 @@
           <p:cNvPr id="3" name="Segnaposto data 2">
             <a:extLst>
               <a:ext uri="{FF2B5EF4-FFF2-40B4-BE49-F238E27FC236}">
-                <a16:creationId xmlns:a16="http://schemas.microsoft.com/office/drawing/2014/main" id="{1BC2CE3D-E646-47C4-86E1-E47A6D2336D2}"/>
+                <a16:creationId xmlns:a16="http://schemas.microsoft.com/office/drawing/2014/main" xmlns="" id="{1BC2CE3D-E646-47C4-86E1-E47A6D2336D2}"/>
               </a:ext>
             </a:extLst>
           </p:cNvPr>
@@ -2338,7 +2338,7 @@
           <a:p>
             <a:fld id="{2FA94619-BDF3-4DAA-80E7-28084A7D7B3E}" type="datetime1">
               <a:rPr lang="it-IT" smtClean="0"/>
-              <a:t>04/10/2017</a:t>
+              <a:t>05/10/17</a:t>
             </a:fld>
             <a:endParaRPr lang="it-IT"/>
           </a:p>
@@ -2349,7 +2349,7 @@
           <p:cNvPr id="4" name="Segnaposto piè di pagina 3">
             <a:extLst>
               <a:ext uri="{FF2B5EF4-FFF2-40B4-BE49-F238E27FC236}">
-                <a16:creationId xmlns:a16="http://schemas.microsoft.com/office/drawing/2014/main" id="{6B8C7667-8FD2-44B0-A089-E0639E7216C0}"/>
+                <a16:creationId xmlns:a16="http://schemas.microsoft.com/office/drawing/2014/main" xmlns="" id="{6B8C7667-8FD2-44B0-A089-E0639E7216C0}"/>
               </a:ext>
             </a:extLst>
           </p:cNvPr>
@@ -2377,7 +2377,7 @@
           <p:cNvPr id="5" name="Segnaposto numero diapositiva 4">
             <a:extLst>
               <a:ext uri="{FF2B5EF4-FFF2-40B4-BE49-F238E27FC236}">
-                <a16:creationId xmlns:a16="http://schemas.microsoft.com/office/drawing/2014/main" id="{CDB04F23-F49E-4AC7-9222-3C06589A9D9A}"/>
+                <a16:creationId xmlns:a16="http://schemas.microsoft.com/office/drawing/2014/main" xmlns="" id="{CDB04F23-F49E-4AC7-9222-3C06589A9D9A}"/>
               </a:ext>
             </a:extLst>
           </p:cNvPr>
@@ -2395,7 +2395,7 @@
           <a:p>
             <a:fld id="{0150394D-6962-46ED-B8A1-7274287609B8}" type="slidenum">
               <a:rPr lang="it-IT" smtClean="0"/>
-              <a:t>‹N›</a:t>
+              <a:t>‹n.›</a:t>
             </a:fld>
             <a:endParaRPr lang="it-IT"/>
           </a:p>
@@ -2436,7 +2436,7 @@
           <p:cNvPr id="2" name="Segnaposto data 1">
             <a:extLst>
               <a:ext uri="{FF2B5EF4-FFF2-40B4-BE49-F238E27FC236}">
-                <a16:creationId xmlns:a16="http://schemas.microsoft.com/office/drawing/2014/main" id="{FD038ECB-F5B9-447B-8772-473487E490B6}"/>
+                <a16:creationId xmlns:a16="http://schemas.microsoft.com/office/drawing/2014/main" xmlns="" id="{FD038ECB-F5B9-447B-8772-473487E490B6}"/>
               </a:ext>
             </a:extLst>
           </p:cNvPr>
@@ -2454,7 +2454,7 @@
           <a:p>
             <a:fld id="{ABCFF24C-6411-475C-8AD7-28A0BE06675F}" type="datetime1">
               <a:rPr lang="it-IT" smtClean="0"/>
-              <a:t>04/10/2017</a:t>
+              <a:t>05/10/17</a:t>
             </a:fld>
             <a:endParaRPr lang="it-IT"/>
           </a:p>
@@ -2465,7 +2465,7 @@
           <p:cNvPr id="3" name="Segnaposto piè di pagina 2">
             <a:extLst>
               <a:ext uri="{FF2B5EF4-FFF2-40B4-BE49-F238E27FC236}">
-                <a16:creationId xmlns:a16="http://schemas.microsoft.com/office/drawing/2014/main" id="{A6A83264-5D68-4694-9874-900E36C0C291}"/>
+                <a16:creationId xmlns:a16="http://schemas.microsoft.com/office/drawing/2014/main" xmlns="" id="{A6A83264-5D68-4694-9874-900E36C0C291}"/>
               </a:ext>
             </a:extLst>
           </p:cNvPr>
@@ -2493,7 +2493,7 @@
           <p:cNvPr id="4" name="Segnaposto numero diapositiva 3">
             <a:extLst>
               <a:ext uri="{FF2B5EF4-FFF2-40B4-BE49-F238E27FC236}">
-                <a16:creationId xmlns:a16="http://schemas.microsoft.com/office/drawing/2014/main" id="{F288279A-EF49-4EA3-904C-15AC5AE4B171}"/>
+                <a16:creationId xmlns:a16="http://schemas.microsoft.com/office/drawing/2014/main" xmlns="" id="{F288279A-EF49-4EA3-904C-15AC5AE4B171}"/>
               </a:ext>
             </a:extLst>
           </p:cNvPr>
@@ -2511,7 +2511,7 @@
           <a:p>
             <a:fld id="{0150394D-6962-46ED-B8A1-7274287609B8}" type="slidenum">
               <a:rPr lang="it-IT" smtClean="0"/>
-              <a:t>‹N›</a:t>
+              <a:t>‹n.›</a:t>
             </a:fld>
             <a:endParaRPr lang="it-IT"/>
           </a:p>
@@ -2552,7 +2552,7 @@
           <p:cNvPr id="2" name="Titolo 1">
             <a:extLst>
               <a:ext uri="{FF2B5EF4-FFF2-40B4-BE49-F238E27FC236}">
-                <a16:creationId xmlns:a16="http://schemas.microsoft.com/office/drawing/2014/main" id="{4F0362E4-23DD-46E3-AC9B-4D1BD8250235}"/>
+                <a16:creationId xmlns:a16="http://schemas.microsoft.com/office/drawing/2014/main" xmlns="" id="{4F0362E4-23DD-46E3-AC9B-4D1BD8250235}"/>
               </a:ext>
             </a:extLst>
           </p:cNvPr>
@@ -2589,7 +2589,7 @@
           <p:cNvPr id="3" name="Segnaposto contenuto 2">
             <a:extLst>
               <a:ext uri="{FF2B5EF4-FFF2-40B4-BE49-F238E27FC236}">
-                <a16:creationId xmlns:a16="http://schemas.microsoft.com/office/drawing/2014/main" id="{685523E4-D84E-4AB5-BE21-94FB8D2C5B05}"/>
+                <a16:creationId xmlns:a16="http://schemas.microsoft.com/office/drawing/2014/main" xmlns="" id="{685523E4-D84E-4AB5-BE21-94FB8D2C5B05}"/>
               </a:ext>
             </a:extLst>
           </p:cNvPr>
@@ -2679,7 +2679,7 @@
           <p:cNvPr id="4" name="Segnaposto testo 3">
             <a:extLst>
               <a:ext uri="{FF2B5EF4-FFF2-40B4-BE49-F238E27FC236}">
-                <a16:creationId xmlns:a16="http://schemas.microsoft.com/office/drawing/2014/main" id="{D8AC8287-7BC7-49E6-BAE7-72815FDC37BE}"/>
+                <a16:creationId xmlns:a16="http://schemas.microsoft.com/office/drawing/2014/main" xmlns="" id="{D8AC8287-7BC7-49E6-BAE7-72815FDC37BE}"/>
               </a:ext>
             </a:extLst>
           </p:cNvPr>
@@ -2750,7 +2750,7 @@
           <p:cNvPr id="5" name="Segnaposto data 4">
             <a:extLst>
               <a:ext uri="{FF2B5EF4-FFF2-40B4-BE49-F238E27FC236}">
-                <a16:creationId xmlns:a16="http://schemas.microsoft.com/office/drawing/2014/main" id="{196920E7-9223-49ED-A26F-49B66E9324F0}"/>
+                <a16:creationId xmlns:a16="http://schemas.microsoft.com/office/drawing/2014/main" xmlns="" id="{196920E7-9223-49ED-A26F-49B66E9324F0}"/>
               </a:ext>
             </a:extLst>
           </p:cNvPr>
@@ -2768,7 +2768,7 @@
           <a:p>
             <a:fld id="{70BA556C-C5BB-4D35-B92D-1CA971258AB9}" type="datetime1">
               <a:rPr lang="it-IT" smtClean="0"/>
-              <a:t>04/10/2017</a:t>
+              <a:t>05/10/17</a:t>
             </a:fld>
             <a:endParaRPr lang="it-IT"/>
           </a:p>
@@ -2779,7 +2779,7 @@
           <p:cNvPr id="6" name="Segnaposto piè di pagina 5">
             <a:extLst>
               <a:ext uri="{FF2B5EF4-FFF2-40B4-BE49-F238E27FC236}">
-                <a16:creationId xmlns:a16="http://schemas.microsoft.com/office/drawing/2014/main" id="{32672353-1814-4F96-BE6A-BE84732D5768}"/>
+                <a16:creationId xmlns:a16="http://schemas.microsoft.com/office/drawing/2014/main" xmlns="" id="{32672353-1814-4F96-BE6A-BE84732D5768}"/>
               </a:ext>
             </a:extLst>
           </p:cNvPr>
@@ -2807,7 +2807,7 @@
           <p:cNvPr id="7" name="Segnaposto numero diapositiva 6">
             <a:extLst>
               <a:ext uri="{FF2B5EF4-FFF2-40B4-BE49-F238E27FC236}">
-                <a16:creationId xmlns:a16="http://schemas.microsoft.com/office/drawing/2014/main" id="{C0933A95-F8B0-4471-8469-1C0713CAD9FC}"/>
+                <a16:creationId xmlns:a16="http://schemas.microsoft.com/office/drawing/2014/main" xmlns="" id="{C0933A95-F8B0-4471-8469-1C0713CAD9FC}"/>
               </a:ext>
             </a:extLst>
           </p:cNvPr>
@@ -2825,7 +2825,7 @@
           <a:p>
             <a:fld id="{0150394D-6962-46ED-B8A1-7274287609B8}" type="slidenum">
               <a:rPr lang="it-IT" smtClean="0"/>
-              <a:t>‹N›</a:t>
+              <a:t>‹n.›</a:t>
             </a:fld>
             <a:endParaRPr lang="it-IT"/>
           </a:p>
@@ -2866,7 +2866,7 @@
           <p:cNvPr id="2" name="Titolo 1">
             <a:extLst>
               <a:ext uri="{FF2B5EF4-FFF2-40B4-BE49-F238E27FC236}">
-                <a16:creationId xmlns:a16="http://schemas.microsoft.com/office/drawing/2014/main" id="{22270BFD-F7DD-4BB9-BABF-3C16F8B4CED6}"/>
+                <a16:creationId xmlns:a16="http://schemas.microsoft.com/office/drawing/2014/main" xmlns="" id="{22270BFD-F7DD-4BB9-BABF-3C16F8B4CED6}"/>
               </a:ext>
             </a:extLst>
           </p:cNvPr>
@@ -2903,7 +2903,7 @@
           <p:cNvPr id="3" name="Segnaposto immagine 2">
             <a:extLst>
               <a:ext uri="{FF2B5EF4-FFF2-40B4-BE49-F238E27FC236}">
-                <a16:creationId xmlns:a16="http://schemas.microsoft.com/office/drawing/2014/main" id="{547D0CDA-092E-4FB6-A7D3-51881FF987CB}"/>
+                <a16:creationId xmlns:a16="http://schemas.microsoft.com/office/drawing/2014/main" xmlns="" id="{547D0CDA-092E-4FB6-A7D3-51881FF987CB}"/>
               </a:ext>
             </a:extLst>
           </p:cNvPr>
@@ -2970,7 +2970,7 @@
           <p:cNvPr id="4" name="Segnaposto testo 3">
             <a:extLst>
               <a:ext uri="{FF2B5EF4-FFF2-40B4-BE49-F238E27FC236}">
-                <a16:creationId xmlns:a16="http://schemas.microsoft.com/office/drawing/2014/main" id="{7AE013E1-CF2B-45A1-B821-E5818C7C9E46}"/>
+                <a16:creationId xmlns:a16="http://schemas.microsoft.com/office/drawing/2014/main" xmlns="" id="{7AE013E1-CF2B-45A1-B821-E5818C7C9E46}"/>
               </a:ext>
             </a:extLst>
           </p:cNvPr>
@@ -3041,7 +3041,7 @@
           <p:cNvPr id="5" name="Segnaposto data 4">
             <a:extLst>
               <a:ext uri="{FF2B5EF4-FFF2-40B4-BE49-F238E27FC236}">
-                <a16:creationId xmlns:a16="http://schemas.microsoft.com/office/drawing/2014/main" id="{D3FA2C01-B809-4842-972D-872542FC6088}"/>
+                <a16:creationId xmlns:a16="http://schemas.microsoft.com/office/drawing/2014/main" xmlns="" id="{D3FA2C01-B809-4842-972D-872542FC6088}"/>
               </a:ext>
             </a:extLst>
           </p:cNvPr>
@@ -3059,7 +3059,7 @@
           <a:p>
             <a:fld id="{F879B34B-2765-40D5-8581-9152AE437AEE}" type="datetime1">
               <a:rPr lang="it-IT" smtClean="0"/>
-              <a:t>04/10/2017</a:t>
+              <a:t>05/10/17</a:t>
             </a:fld>
             <a:endParaRPr lang="it-IT"/>
           </a:p>
@@ -3070,7 +3070,7 @@
           <p:cNvPr id="6" name="Segnaposto piè di pagina 5">
             <a:extLst>
               <a:ext uri="{FF2B5EF4-FFF2-40B4-BE49-F238E27FC236}">
-                <a16:creationId xmlns:a16="http://schemas.microsoft.com/office/drawing/2014/main" id="{E7DE9A21-7E5B-4E42-B1E2-911B30188ABF}"/>
+                <a16:creationId xmlns:a16="http://schemas.microsoft.com/office/drawing/2014/main" xmlns="" id="{E7DE9A21-7E5B-4E42-B1E2-911B30188ABF}"/>
               </a:ext>
             </a:extLst>
           </p:cNvPr>
@@ -3098,7 +3098,7 @@
           <p:cNvPr id="7" name="Segnaposto numero diapositiva 6">
             <a:extLst>
               <a:ext uri="{FF2B5EF4-FFF2-40B4-BE49-F238E27FC236}">
-                <a16:creationId xmlns:a16="http://schemas.microsoft.com/office/drawing/2014/main" id="{69CD700A-1A4C-4CA4-9CAC-CFB18384B802}"/>
+                <a16:creationId xmlns:a16="http://schemas.microsoft.com/office/drawing/2014/main" xmlns="" id="{69CD700A-1A4C-4CA4-9CAC-CFB18384B802}"/>
               </a:ext>
             </a:extLst>
           </p:cNvPr>
@@ -3116,7 +3116,7 @@
           <a:p>
             <a:fld id="{0150394D-6962-46ED-B8A1-7274287609B8}" type="slidenum">
               <a:rPr lang="it-IT" smtClean="0"/>
-              <a:t>‹N›</a:t>
+              <a:t>‹n.›</a:t>
             </a:fld>
             <a:endParaRPr lang="it-IT"/>
           </a:p>
@@ -3162,7 +3162,7 @@
           <p:cNvPr id="2" name="Segnaposto titolo 1">
             <a:extLst>
               <a:ext uri="{FF2B5EF4-FFF2-40B4-BE49-F238E27FC236}">
-                <a16:creationId xmlns:a16="http://schemas.microsoft.com/office/drawing/2014/main" id="{4B95C4F3-74C3-413E-8FE8-0C4BDF55338C}"/>
+                <a16:creationId xmlns:a16="http://schemas.microsoft.com/office/drawing/2014/main" xmlns="" id="{4B95C4F3-74C3-413E-8FE8-0C4BDF55338C}"/>
               </a:ext>
             </a:extLst>
           </p:cNvPr>
@@ -3200,7 +3200,7 @@
           <p:cNvPr id="3" name="Segnaposto testo 2">
             <a:extLst>
               <a:ext uri="{FF2B5EF4-FFF2-40B4-BE49-F238E27FC236}">
-                <a16:creationId xmlns:a16="http://schemas.microsoft.com/office/drawing/2014/main" id="{BDAA8F5B-DAE9-47E4-84A5-A1444E1F85D4}"/>
+                <a16:creationId xmlns:a16="http://schemas.microsoft.com/office/drawing/2014/main" xmlns="" id="{BDAA8F5B-DAE9-47E4-84A5-A1444E1F85D4}"/>
               </a:ext>
             </a:extLst>
           </p:cNvPr>
@@ -3267,7 +3267,7 @@
           <p:cNvPr id="4" name="Segnaposto data 3">
             <a:extLst>
               <a:ext uri="{FF2B5EF4-FFF2-40B4-BE49-F238E27FC236}">
-                <a16:creationId xmlns:a16="http://schemas.microsoft.com/office/drawing/2014/main" id="{92E5C828-4290-4A93-8E4E-DF2268B59743}"/>
+                <a16:creationId xmlns:a16="http://schemas.microsoft.com/office/drawing/2014/main" xmlns="" id="{92E5C828-4290-4A93-8E4E-DF2268B59743}"/>
               </a:ext>
             </a:extLst>
           </p:cNvPr>
@@ -3303,7 +3303,7 @@
           <a:p>
             <a:fld id="{9C120445-0D86-46CA-AF3F-4741E4D6624B}" type="datetime1">
               <a:rPr lang="it-IT" smtClean="0"/>
-              <a:t>04/10/2017</a:t>
+              <a:t>05/10/17</a:t>
             </a:fld>
             <a:endParaRPr lang="it-IT"/>
           </a:p>
@@ -3314,7 +3314,7 @@
           <p:cNvPr id="5" name="Segnaposto piè di pagina 4">
             <a:extLst>
               <a:ext uri="{FF2B5EF4-FFF2-40B4-BE49-F238E27FC236}">
-                <a16:creationId xmlns:a16="http://schemas.microsoft.com/office/drawing/2014/main" id="{A6E8918F-E183-4F84-B862-2468881B47A6}"/>
+                <a16:creationId xmlns:a16="http://schemas.microsoft.com/office/drawing/2014/main" xmlns="" id="{A6E8918F-E183-4F84-B862-2468881B47A6}"/>
               </a:ext>
             </a:extLst>
           </p:cNvPr>
@@ -3360,7 +3360,7 @@
           <p:cNvPr id="6" name="Segnaposto numero diapositiva 5">
             <a:extLst>
               <a:ext uri="{FF2B5EF4-FFF2-40B4-BE49-F238E27FC236}">
-                <a16:creationId xmlns:a16="http://schemas.microsoft.com/office/drawing/2014/main" id="{0666DE7D-A4BA-47EE-839D-BD6983AABBEA}"/>
+                <a16:creationId xmlns:a16="http://schemas.microsoft.com/office/drawing/2014/main" xmlns="" id="{0666DE7D-A4BA-47EE-839D-BD6983AABBEA}"/>
               </a:ext>
             </a:extLst>
           </p:cNvPr>
@@ -3396,7 +3396,7 @@
           <a:p>
             <a:fld id="{0150394D-6962-46ED-B8A1-7274287609B8}" type="slidenum">
               <a:rPr lang="it-IT" smtClean="0"/>
-              <a:t>‹N›</a:t>
+              <a:t>‹n.›</a:t>
             </a:fld>
             <a:endParaRPr lang="it-IT"/>
           </a:p>
@@ -3729,7 +3729,7 @@
           <p:cNvPr id="2" name="Titolo 1">
             <a:extLst>
               <a:ext uri="{FF2B5EF4-FFF2-40B4-BE49-F238E27FC236}">
-                <a16:creationId xmlns:a16="http://schemas.microsoft.com/office/drawing/2014/main" id="{A3766069-3658-4CCA-9DD7-5690E3497F57}"/>
+                <a16:creationId xmlns:a16="http://schemas.microsoft.com/office/drawing/2014/main" xmlns="" id="{A3766069-3658-4CCA-9DD7-5690E3497F57}"/>
               </a:ext>
             </a:extLst>
           </p:cNvPr>
@@ -3771,7 +3771,7 @@
           <p:cNvPr id="4" name="CasellaDiTesto 3">
             <a:extLst>
               <a:ext uri="{FF2B5EF4-FFF2-40B4-BE49-F238E27FC236}">
-                <a16:creationId xmlns:a16="http://schemas.microsoft.com/office/drawing/2014/main" id="{24524736-F333-4E90-A2F1-4184267210CE}"/>
+                <a16:creationId xmlns:a16="http://schemas.microsoft.com/office/drawing/2014/main" xmlns="" id="{24524736-F333-4E90-A2F1-4184267210CE}"/>
               </a:ext>
             </a:extLst>
           </p:cNvPr>
@@ -3780,8 +3780,8 @@
         </p:nvSpPr>
         <p:spPr>
           <a:xfrm>
-            <a:off x="490656" y="5486400"/>
-            <a:ext cx="11157528" cy="369332"/>
+            <a:off x="858088" y="5486400"/>
+            <a:ext cx="10697497" cy="369332"/>
           </a:xfrm>
           <a:prstGeom prst="rect">
             <a:avLst/>
@@ -3796,18 +3796,18 @@
           <a:p>
             <a:pPr algn="ctr"/>
             <a:r>
-              <a:rPr lang="it-IT" dirty="0">
-                <a:latin typeface="Times New Roman" panose="02020603050405020304" pitchFamily="18" charset="0"/>
-                <a:cs typeface="Times New Roman" panose="02020603050405020304" pitchFamily="18" charset="0"/>
-              </a:rPr>
-              <a:t>Marco Di Vincenzo, </a:t>
+              <a:rPr lang="it-IT" i="1" dirty="0" smtClean="0">
+                <a:latin typeface="Times New Roman" panose="02020603050405020304" pitchFamily="18" charset="0"/>
+                <a:cs typeface="Times New Roman" panose="02020603050405020304" pitchFamily="18" charset="0"/>
+              </a:rPr>
+              <a:t>Attività </a:t>
             </a:r>
             <a:r>
               <a:rPr lang="it-IT" i="1" dirty="0">
                 <a:latin typeface="Times New Roman" panose="02020603050405020304" pitchFamily="18" charset="0"/>
                 <a:cs typeface="Times New Roman" panose="02020603050405020304" pitchFamily="18" charset="0"/>
               </a:rPr>
-              <a:t>Attività progettuale di Fondamenti di Intelligenza Artificiale</a:t>
+              <a:t>progettuale di Fondamenti di Intelligenza Artificiale</a:t>
             </a:r>
           </a:p>
         </p:txBody>
@@ -3817,7 +3817,7 @@
           <p:cNvPr id="5" name="Connettore diritto 4">
             <a:extLst>
               <a:ext uri="{FF2B5EF4-FFF2-40B4-BE49-F238E27FC236}">
-                <a16:creationId xmlns:a16="http://schemas.microsoft.com/office/drawing/2014/main" id="{BB37904B-797C-46F0-9EED-3E64118B07E6}"/>
+                <a16:creationId xmlns:a16="http://schemas.microsoft.com/office/drawing/2014/main" xmlns="" id="{BB37904B-797C-46F0-9EED-3E64118B07E6}"/>
               </a:ext>
             </a:extLst>
           </p:cNvPr>
@@ -3853,7 +3853,7 @@
           <p:cNvPr id="6" name="CasellaDiTesto 5">
             <a:extLst>
               <a:ext uri="{FF2B5EF4-FFF2-40B4-BE49-F238E27FC236}">
-                <a16:creationId xmlns:a16="http://schemas.microsoft.com/office/drawing/2014/main" id="{27F41B36-F016-4780-AE09-C9EDBDCED047}"/>
+                <a16:creationId xmlns:a16="http://schemas.microsoft.com/office/drawing/2014/main" xmlns="" id="{27F41B36-F016-4780-AE09-C9EDBDCED047}"/>
               </a:ext>
             </a:extLst>
           </p:cNvPr>
@@ -3901,6 +3901,43 @@
           </a:p>
         </p:txBody>
       </p:sp>
+      <p:sp>
+        <p:nvSpPr>
+          <p:cNvPr id="3" name="CasellaDiTesto 2"/>
+          <p:cNvSpPr txBox="1"/>
+          <p:nvPr/>
+        </p:nvSpPr>
+        <p:spPr>
+          <a:xfrm>
+            <a:off x="858088" y="4691187"/>
+            <a:ext cx="10708937" cy="369332"/>
+          </a:xfrm>
+          <a:prstGeom prst="rect">
+            <a:avLst/>
+          </a:prstGeom>
+          <a:noFill/>
+        </p:spPr>
+        <p:txBody>
+          <a:bodyPr wrap="square" rtlCol="0">
+            <a:spAutoFit/>
+          </a:bodyPr>
+          <a:lstStyle/>
+          <a:p>
+            <a:pPr algn="ctr"/>
+            <a:r>
+              <a:rPr lang="it-IT" dirty="0" smtClean="0">
+                <a:latin typeface="Times New Roman"/>
+                <a:cs typeface="Times New Roman"/>
+              </a:rPr>
+              <a:t>Marco Di Vincenzo</a:t>
+            </a:r>
+            <a:endParaRPr lang="it-IT" dirty="0">
+              <a:latin typeface="Times New Roman"/>
+              <a:cs typeface="Times New Roman"/>
+            </a:endParaRPr>
+          </a:p>
+        </p:txBody>
+      </p:sp>
     </p:spTree>
     <p:extLst>
       <p:ext uri="{BB962C8B-B14F-4D97-AF65-F5344CB8AC3E}">
@@ -3911,6 +3948,13 @@
   <p:clrMapOvr>
     <a:masterClrMapping/>
   </p:clrMapOvr>
+  <p:timing>
+    <p:tnLst>
+      <p:par>
+        <p:cTn xmlns:p14="http://schemas.microsoft.com/office/powerpoint/2010/main" id="1" dur="indefinite" restart="never" nodeType="tmRoot"/>
+      </p:par>
+    </p:tnLst>
+  </p:timing>
 </p:sld>
 </file>
 
@@ -3936,7 +3980,7 @@
           <p:cNvPr id="6" name="Titolo 1">
             <a:extLst>
               <a:ext uri="{FF2B5EF4-FFF2-40B4-BE49-F238E27FC236}">
-                <a16:creationId xmlns:a16="http://schemas.microsoft.com/office/drawing/2014/main" id="{96EC066D-927A-46B8-ABBF-0E5294C2E9E6}"/>
+                <a16:creationId xmlns:a16="http://schemas.microsoft.com/office/drawing/2014/main" xmlns="" id="{96EC066D-927A-46B8-ABBF-0E5294C2E9E6}"/>
               </a:ext>
             </a:extLst>
           </p:cNvPr>
@@ -3968,7 +4012,7 @@
           <p:cNvPr id="3" name="Segnaposto contenuto 2">
             <a:extLst>
               <a:ext uri="{FF2B5EF4-FFF2-40B4-BE49-F238E27FC236}">
-                <a16:creationId xmlns:a16="http://schemas.microsoft.com/office/drawing/2014/main" id="{E579DD98-331A-4A4E-94BA-0B9992B55DE8}"/>
+                <a16:creationId xmlns:a16="http://schemas.microsoft.com/office/drawing/2014/main" xmlns="" id="{E579DD98-331A-4A4E-94BA-0B9992B55DE8}"/>
               </a:ext>
             </a:extLst>
           </p:cNvPr>
@@ -4080,7 +4124,7 @@
           <p:cNvPr id="4" name="Segnaposto piè di pagina 3">
             <a:extLst>
               <a:ext uri="{FF2B5EF4-FFF2-40B4-BE49-F238E27FC236}">
-                <a16:creationId xmlns:a16="http://schemas.microsoft.com/office/drawing/2014/main" id="{8148F9A2-B61B-44CC-97C4-5F933303FF12}"/>
+                <a16:creationId xmlns:a16="http://schemas.microsoft.com/office/drawing/2014/main" xmlns="" id="{8148F9A2-B61B-44CC-97C4-5F933303FF12}"/>
               </a:ext>
             </a:extLst>
           </p:cNvPr>
@@ -4120,7 +4164,7 @@
           <p:cNvPr id="5" name="Segnaposto numero diapositiva 4">
             <a:extLst>
               <a:ext uri="{FF2B5EF4-FFF2-40B4-BE49-F238E27FC236}">
-                <a16:creationId xmlns:a16="http://schemas.microsoft.com/office/drawing/2014/main" id="{DECD9FFE-7CC4-4AFE-8DBE-CDE7150867C8}"/>
+                <a16:creationId xmlns:a16="http://schemas.microsoft.com/office/drawing/2014/main" xmlns="" id="{DECD9FFE-7CC4-4AFE-8DBE-CDE7150867C8}"/>
               </a:ext>
             </a:extLst>
           </p:cNvPr>
@@ -4149,7 +4193,7 @@
           <p:cNvPr id="7" name="Connettore diritto 6">
             <a:extLst>
               <a:ext uri="{FF2B5EF4-FFF2-40B4-BE49-F238E27FC236}">
-                <a16:creationId xmlns:a16="http://schemas.microsoft.com/office/drawing/2014/main" id="{65DD1E49-390D-4162-9993-337C75AD72F8}"/>
+                <a16:creationId xmlns:a16="http://schemas.microsoft.com/office/drawing/2014/main" xmlns="" id="{65DD1E49-390D-4162-9993-337C75AD72F8}"/>
               </a:ext>
             </a:extLst>
           </p:cNvPr>
@@ -4190,6 +4234,13 @@
   <p:clrMapOvr>
     <a:masterClrMapping/>
   </p:clrMapOvr>
+  <p:timing>
+    <p:tnLst>
+      <p:par>
+        <p:cTn xmlns:p14="http://schemas.microsoft.com/office/powerpoint/2010/main" id="1" dur="indefinite" restart="never" nodeType="tmRoot"/>
+      </p:par>
+    </p:tnLst>
+  </p:timing>
 </p:sld>
 </file>
 
@@ -4215,7 +4266,7 @@
           <p:cNvPr id="6" name="Titolo 1">
             <a:extLst>
               <a:ext uri="{FF2B5EF4-FFF2-40B4-BE49-F238E27FC236}">
-                <a16:creationId xmlns:a16="http://schemas.microsoft.com/office/drawing/2014/main" id="{96EC066D-927A-46B8-ABBF-0E5294C2E9E6}"/>
+                <a16:creationId xmlns:a16="http://schemas.microsoft.com/office/drawing/2014/main" xmlns="" id="{96EC066D-927A-46B8-ABBF-0E5294C2E9E6}"/>
               </a:ext>
             </a:extLst>
           </p:cNvPr>
@@ -4252,7 +4303,7 @@
           <p:cNvPr id="4" name="Segnaposto piè di pagina 3">
             <a:extLst>
               <a:ext uri="{FF2B5EF4-FFF2-40B4-BE49-F238E27FC236}">
-                <a16:creationId xmlns:a16="http://schemas.microsoft.com/office/drawing/2014/main" id="{8148F9A2-B61B-44CC-97C4-5F933303FF12}"/>
+                <a16:creationId xmlns:a16="http://schemas.microsoft.com/office/drawing/2014/main" xmlns="" id="{8148F9A2-B61B-44CC-97C4-5F933303FF12}"/>
               </a:ext>
             </a:extLst>
           </p:cNvPr>
@@ -4292,7 +4343,7 @@
           <p:cNvPr id="5" name="Segnaposto numero diapositiva 4">
             <a:extLst>
               <a:ext uri="{FF2B5EF4-FFF2-40B4-BE49-F238E27FC236}">
-                <a16:creationId xmlns:a16="http://schemas.microsoft.com/office/drawing/2014/main" id="{DECD9FFE-7CC4-4AFE-8DBE-CDE7150867C8}"/>
+                <a16:creationId xmlns:a16="http://schemas.microsoft.com/office/drawing/2014/main" xmlns="" id="{DECD9FFE-7CC4-4AFE-8DBE-CDE7150867C8}"/>
               </a:ext>
             </a:extLst>
           </p:cNvPr>
@@ -4321,7 +4372,7 @@
           <p:cNvPr id="7" name="Connettore diritto 6">
             <a:extLst>
               <a:ext uri="{FF2B5EF4-FFF2-40B4-BE49-F238E27FC236}">
-                <a16:creationId xmlns:a16="http://schemas.microsoft.com/office/drawing/2014/main" id="{65DD1E49-390D-4162-9993-337C75AD72F8}"/>
+                <a16:creationId xmlns:a16="http://schemas.microsoft.com/office/drawing/2014/main" xmlns="" id="{65DD1E49-390D-4162-9993-337C75AD72F8}"/>
               </a:ext>
             </a:extLst>
           </p:cNvPr>
@@ -4362,6 +4413,13 @@
   <p:clrMapOvr>
     <a:masterClrMapping/>
   </p:clrMapOvr>
+  <p:timing>
+    <p:tnLst>
+      <p:par>
+        <p:cTn xmlns:p14="http://schemas.microsoft.com/office/powerpoint/2010/main" id="1" dur="indefinite" restart="never" nodeType="tmRoot"/>
+      </p:par>
+    </p:tnLst>
+  </p:timing>
 </p:sld>
 </file>
 
@@ -4387,7 +4445,7 @@
           <p:cNvPr id="2" name="Titolo 1">
             <a:extLst>
               <a:ext uri="{FF2B5EF4-FFF2-40B4-BE49-F238E27FC236}">
-                <a16:creationId xmlns:a16="http://schemas.microsoft.com/office/drawing/2014/main" id="{5A049F50-9C85-4219-997F-9D7155C6DA25}"/>
+                <a16:creationId xmlns:a16="http://schemas.microsoft.com/office/drawing/2014/main" xmlns="" id="{5A049F50-9C85-4219-997F-9D7155C6DA25}"/>
               </a:ext>
             </a:extLst>
           </p:cNvPr>
@@ -4419,7 +4477,7 @@
           <p:cNvPr id="3" name="Segnaposto contenuto 2">
             <a:extLst>
               <a:ext uri="{FF2B5EF4-FFF2-40B4-BE49-F238E27FC236}">
-                <a16:creationId xmlns:a16="http://schemas.microsoft.com/office/drawing/2014/main" id="{E579DD98-331A-4A4E-94BA-0B9992B55DE8}"/>
+                <a16:creationId xmlns:a16="http://schemas.microsoft.com/office/drawing/2014/main" xmlns="" id="{E579DD98-331A-4A4E-94BA-0B9992B55DE8}"/>
               </a:ext>
             </a:extLst>
           </p:cNvPr>
@@ -4487,7 +4545,7 @@
           <p:cNvPr id="4" name="Segnaposto piè di pagina 3">
             <a:extLst>
               <a:ext uri="{FF2B5EF4-FFF2-40B4-BE49-F238E27FC236}">
-                <a16:creationId xmlns:a16="http://schemas.microsoft.com/office/drawing/2014/main" id="{8148F9A2-B61B-44CC-97C4-5F933303FF12}"/>
+                <a16:creationId xmlns:a16="http://schemas.microsoft.com/office/drawing/2014/main" xmlns="" id="{8148F9A2-B61B-44CC-97C4-5F933303FF12}"/>
               </a:ext>
             </a:extLst>
           </p:cNvPr>
@@ -4527,7 +4585,7 @@
           <p:cNvPr id="5" name="Segnaposto numero diapositiva 4">
             <a:extLst>
               <a:ext uri="{FF2B5EF4-FFF2-40B4-BE49-F238E27FC236}">
-                <a16:creationId xmlns:a16="http://schemas.microsoft.com/office/drawing/2014/main" id="{DECD9FFE-7CC4-4AFE-8DBE-CDE7150867C8}"/>
+                <a16:creationId xmlns:a16="http://schemas.microsoft.com/office/drawing/2014/main" xmlns="" id="{DECD9FFE-7CC4-4AFE-8DBE-CDE7150867C8}"/>
               </a:ext>
             </a:extLst>
           </p:cNvPr>
@@ -4556,7 +4614,7 @@
           <p:cNvPr id="8" name="Connettore diritto 7">
             <a:extLst>
               <a:ext uri="{FF2B5EF4-FFF2-40B4-BE49-F238E27FC236}">
-                <a16:creationId xmlns:a16="http://schemas.microsoft.com/office/drawing/2014/main" id="{5F980231-6857-4C37-ACE4-EC16E0BD999F}"/>
+                <a16:creationId xmlns:a16="http://schemas.microsoft.com/office/drawing/2014/main" xmlns="" id="{5F980231-6857-4C37-ACE4-EC16E0BD999F}"/>
               </a:ext>
             </a:extLst>
           </p:cNvPr>
@@ -4597,6 +4655,13 @@
   <p:clrMapOvr>
     <a:masterClrMapping/>
   </p:clrMapOvr>
+  <p:timing>
+    <p:tnLst>
+      <p:par>
+        <p:cTn xmlns:p14="http://schemas.microsoft.com/office/powerpoint/2010/main" id="1" dur="indefinite" restart="never" nodeType="tmRoot"/>
+      </p:par>
+    </p:tnLst>
+  </p:timing>
 </p:sld>
 </file>
 
@@ -4622,7 +4687,7 @@
           <p:cNvPr id="6" name="Titolo 1">
             <a:extLst>
               <a:ext uri="{FF2B5EF4-FFF2-40B4-BE49-F238E27FC236}">
-                <a16:creationId xmlns:a16="http://schemas.microsoft.com/office/drawing/2014/main" id="{75D4CCE1-789F-4BE5-8A87-4E5E40CA2547}"/>
+                <a16:creationId xmlns:a16="http://schemas.microsoft.com/office/drawing/2014/main" xmlns="" id="{75D4CCE1-789F-4BE5-8A87-4E5E40CA2547}"/>
               </a:ext>
             </a:extLst>
           </p:cNvPr>
@@ -4659,7 +4724,7 @@
           <p:cNvPr id="3" name="Segnaposto contenuto 2">
             <a:extLst>
               <a:ext uri="{FF2B5EF4-FFF2-40B4-BE49-F238E27FC236}">
-                <a16:creationId xmlns:a16="http://schemas.microsoft.com/office/drawing/2014/main" id="{E579DD98-331A-4A4E-94BA-0B9992B55DE8}"/>
+                <a16:creationId xmlns:a16="http://schemas.microsoft.com/office/drawing/2014/main" xmlns="" id="{E579DD98-331A-4A4E-94BA-0B9992B55DE8}"/>
               </a:ext>
             </a:extLst>
           </p:cNvPr>
@@ -4775,7 +4840,7 @@
           <p:cNvPr id="4" name="Segnaposto piè di pagina 3">
             <a:extLst>
               <a:ext uri="{FF2B5EF4-FFF2-40B4-BE49-F238E27FC236}">
-                <a16:creationId xmlns:a16="http://schemas.microsoft.com/office/drawing/2014/main" id="{8148F9A2-B61B-44CC-97C4-5F933303FF12}"/>
+                <a16:creationId xmlns:a16="http://schemas.microsoft.com/office/drawing/2014/main" xmlns="" id="{8148F9A2-B61B-44CC-97C4-5F933303FF12}"/>
               </a:ext>
             </a:extLst>
           </p:cNvPr>
@@ -4815,7 +4880,7 @@
           <p:cNvPr id="5" name="Segnaposto numero diapositiva 4">
             <a:extLst>
               <a:ext uri="{FF2B5EF4-FFF2-40B4-BE49-F238E27FC236}">
-                <a16:creationId xmlns:a16="http://schemas.microsoft.com/office/drawing/2014/main" id="{DECD9FFE-7CC4-4AFE-8DBE-CDE7150867C8}"/>
+                <a16:creationId xmlns:a16="http://schemas.microsoft.com/office/drawing/2014/main" xmlns="" id="{DECD9FFE-7CC4-4AFE-8DBE-CDE7150867C8}"/>
               </a:ext>
             </a:extLst>
           </p:cNvPr>
@@ -4844,7 +4909,7 @@
           <p:cNvPr id="7" name="CasellaDiTesto 6">
             <a:extLst>
               <a:ext uri="{FF2B5EF4-FFF2-40B4-BE49-F238E27FC236}">
-                <a16:creationId xmlns:a16="http://schemas.microsoft.com/office/drawing/2014/main" id="{07CA5CE2-0110-47B3-BBA3-12FFA6572D4F}"/>
+                <a16:creationId xmlns:a16="http://schemas.microsoft.com/office/drawing/2014/main" xmlns="" id="{07CA5CE2-0110-47B3-BBA3-12FFA6572D4F}"/>
               </a:ext>
             </a:extLst>
           </p:cNvPr>
@@ -4915,7 +4980,7 @@
           <p:cNvPr id="8" name="Connettore diritto 7">
             <a:extLst>
               <a:ext uri="{FF2B5EF4-FFF2-40B4-BE49-F238E27FC236}">
-                <a16:creationId xmlns:a16="http://schemas.microsoft.com/office/drawing/2014/main" id="{AEC3B020-43D3-4FC8-B3E5-AD85BAC3C62F}"/>
+                <a16:creationId xmlns:a16="http://schemas.microsoft.com/office/drawing/2014/main" xmlns="" id="{AEC3B020-43D3-4FC8-B3E5-AD85BAC3C62F}"/>
               </a:ext>
             </a:extLst>
           </p:cNvPr>
@@ -4956,6 +5021,13 @@
   <p:clrMapOvr>
     <a:masterClrMapping/>
   </p:clrMapOvr>
+  <p:timing>
+    <p:tnLst>
+      <p:par>
+        <p:cTn xmlns:p14="http://schemas.microsoft.com/office/powerpoint/2010/main" id="1" dur="indefinite" restart="never" nodeType="tmRoot"/>
+      </p:par>
+    </p:tnLst>
+  </p:timing>
 </p:sld>
 </file>
 
@@ -4981,7 +5053,7 @@
           <p:cNvPr id="7" name="Titolo 1">
             <a:extLst>
               <a:ext uri="{FF2B5EF4-FFF2-40B4-BE49-F238E27FC236}">
-                <a16:creationId xmlns:a16="http://schemas.microsoft.com/office/drawing/2014/main" id="{E4B668AA-B0EE-4CA3-ABAE-67F88DCB9E0A}"/>
+                <a16:creationId xmlns:a16="http://schemas.microsoft.com/office/drawing/2014/main" xmlns="" id="{E4B668AA-B0EE-4CA3-ABAE-67F88DCB9E0A}"/>
               </a:ext>
             </a:extLst>
           </p:cNvPr>
@@ -5013,7 +5085,7 @@
           <p:cNvPr id="3" name="Segnaposto contenuto 2">
             <a:extLst>
               <a:ext uri="{FF2B5EF4-FFF2-40B4-BE49-F238E27FC236}">
-                <a16:creationId xmlns:a16="http://schemas.microsoft.com/office/drawing/2014/main" id="{E579DD98-331A-4A4E-94BA-0B9992B55DE8}"/>
+                <a16:creationId xmlns:a16="http://schemas.microsoft.com/office/drawing/2014/main" xmlns="" id="{E579DD98-331A-4A4E-94BA-0B9992B55DE8}"/>
               </a:ext>
             </a:extLst>
           </p:cNvPr>
@@ -5205,7 +5277,7 @@
           <p:cNvPr id="4" name="Segnaposto piè di pagina 3">
             <a:extLst>
               <a:ext uri="{FF2B5EF4-FFF2-40B4-BE49-F238E27FC236}">
-                <a16:creationId xmlns:a16="http://schemas.microsoft.com/office/drawing/2014/main" id="{8148F9A2-B61B-44CC-97C4-5F933303FF12}"/>
+                <a16:creationId xmlns:a16="http://schemas.microsoft.com/office/drawing/2014/main" xmlns="" id="{8148F9A2-B61B-44CC-97C4-5F933303FF12}"/>
               </a:ext>
             </a:extLst>
           </p:cNvPr>
@@ -5245,7 +5317,7 @@
           <p:cNvPr id="5" name="Segnaposto numero diapositiva 4">
             <a:extLst>
               <a:ext uri="{FF2B5EF4-FFF2-40B4-BE49-F238E27FC236}">
-                <a16:creationId xmlns:a16="http://schemas.microsoft.com/office/drawing/2014/main" id="{DECD9FFE-7CC4-4AFE-8DBE-CDE7150867C8}"/>
+                <a16:creationId xmlns:a16="http://schemas.microsoft.com/office/drawing/2014/main" xmlns="" id="{DECD9FFE-7CC4-4AFE-8DBE-CDE7150867C8}"/>
               </a:ext>
             </a:extLst>
           </p:cNvPr>
@@ -5274,7 +5346,7 @@
           <p:cNvPr id="6" name="Connettore diritto 5">
             <a:extLst>
               <a:ext uri="{FF2B5EF4-FFF2-40B4-BE49-F238E27FC236}">
-                <a16:creationId xmlns:a16="http://schemas.microsoft.com/office/drawing/2014/main" id="{4DD7DBC1-CA59-4159-8A65-E606BBBA314C}"/>
+                <a16:creationId xmlns:a16="http://schemas.microsoft.com/office/drawing/2014/main" xmlns="" id="{4DD7DBC1-CA59-4159-8A65-E606BBBA314C}"/>
               </a:ext>
             </a:extLst>
           </p:cNvPr>
@@ -5315,6 +5387,13 @@
   <p:clrMapOvr>
     <a:masterClrMapping/>
   </p:clrMapOvr>
+  <p:timing>
+    <p:tnLst>
+      <p:par>
+        <p:cTn xmlns:p14="http://schemas.microsoft.com/office/powerpoint/2010/main" id="1" dur="indefinite" restart="never" nodeType="tmRoot"/>
+      </p:par>
+    </p:tnLst>
+  </p:timing>
 </p:sld>
 </file>
 
@@ -5340,7 +5419,7 @@
           <p:cNvPr id="6" name="Titolo 1">
             <a:extLst>
               <a:ext uri="{FF2B5EF4-FFF2-40B4-BE49-F238E27FC236}">
-                <a16:creationId xmlns:a16="http://schemas.microsoft.com/office/drawing/2014/main" id="{5FB53B6D-AB0E-4C12-B815-4AA10FE13CCC}"/>
+                <a16:creationId xmlns:a16="http://schemas.microsoft.com/office/drawing/2014/main" xmlns="" id="{5FB53B6D-AB0E-4C12-B815-4AA10FE13CCC}"/>
               </a:ext>
             </a:extLst>
           </p:cNvPr>
@@ -5372,7 +5451,7 @@
           <p:cNvPr id="3" name="Segnaposto contenuto 2">
             <a:extLst>
               <a:ext uri="{FF2B5EF4-FFF2-40B4-BE49-F238E27FC236}">
-                <a16:creationId xmlns:a16="http://schemas.microsoft.com/office/drawing/2014/main" id="{E579DD98-331A-4A4E-94BA-0B9992B55DE8}"/>
+                <a16:creationId xmlns:a16="http://schemas.microsoft.com/office/drawing/2014/main" xmlns="" id="{E579DD98-331A-4A4E-94BA-0B9992B55DE8}"/>
               </a:ext>
             </a:extLst>
           </p:cNvPr>
@@ -5425,7 +5504,7 @@
           <p:cNvPr id="4" name="Segnaposto piè di pagina 3">
             <a:extLst>
               <a:ext uri="{FF2B5EF4-FFF2-40B4-BE49-F238E27FC236}">
-                <a16:creationId xmlns:a16="http://schemas.microsoft.com/office/drawing/2014/main" id="{8148F9A2-B61B-44CC-97C4-5F933303FF12}"/>
+                <a16:creationId xmlns:a16="http://schemas.microsoft.com/office/drawing/2014/main" xmlns="" id="{8148F9A2-B61B-44CC-97C4-5F933303FF12}"/>
               </a:ext>
             </a:extLst>
           </p:cNvPr>
@@ -5465,7 +5544,7 @@
           <p:cNvPr id="5" name="Segnaposto numero diapositiva 4">
             <a:extLst>
               <a:ext uri="{FF2B5EF4-FFF2-40B4-BE49-F238E27FC236}">
-                <a16:creationId xmlns:a16="http://schemas.microsoft.com/office/drawing/2014/main" id="{DECD9FFE-7CC4-4AFE-8DBE-CDE7150867C8}"/>
+                <a16:creationId xmlns:a16="http://schemas.microsoft.com/office/drawing/2014/main" xmlns="" id="{DECD9FFE-7CC4-4AFE-8DBE-CDE7150867C8}"/>
               </a:ext>
             </a:extLst>
           </p:cNvPr>
@@ -5494,7 +5573,7 @@
           <p:cNvPr id="7" name="Connettore diritto 6">
             <a:extLst>
               <a:ext uri="{FF2B5EF4-FFF2-40B4-BE49-F238E27FC236}">
-                <a16:creationId xmlns:a16="http://schemas.microsoft.com/office/drawing/2014/main" id="{942EAA4F-6553-4935-B52F-7B34127AB66F}"/>
+                <a16:creationId xmlns:a16="http://schemas.microsoft.com/office/drawing/2014/main" xmlns="" id="{942EAA4F-6553-4935-B52F-7B34127AB66F}"/>
               </a:ext>
             </a:extLst>
           </p:cNvPr>
@@ -5530,7 +5609,7 @@
           <p:cNvPr id="8" name="Tabella 7">
             <a:extLst>
               <a:ext uri="{FF2B5EF4-FFF2-40B4-BE49-F238E27FC236}">
-                <a16:creationId xmlns:a16="http://schemas.microsoft.com/office/drawing/2014/main" id="{27C8B0BD-E9DE-49FB-86D3-D81C5D7D6E95}"/>
+                <a16:creationId xmlns:a16="http://schemas.microsoft.com/office/drawing/2014/main" xmlns="" id="{27C8B0BD-E9DE-49FB-86D3-D81C5D7D6E95}"/>
               </a:ext>
             </a:extLst>
           </p:cNvPr>
@@ -5559,28 +5638,28 @@
                 <a:gridCol w="1607128">
                   <a:extLst>
                     <a:ext uri="{9D8B030D-6E8A-4147-A177-3AD203B41FA5}">
-                      <a16:colId xmlns:a16="http://schemas.microsoft.com/office/drawing/2014/main" val="3062765408"/>
+                      <a16:colId xmlns:a16="http://schemas.microsoft.com/office/drawing/2014/main" xmlns="" val="3062765408"/>
                     </a:ext>
                   </a:extLst>
                 </a:gridCol>
                 <a:gridCol w="3740726">
                   <a:extLst>
                     <a:ext uri="{9D8B030D-6E8A-4147-A177-3AD203B41FA5}">
-                      <a16:colId xmlns:a16="http://schemas.microsoft.com/office/drawing/2014/main" val="4253369018"/>
+                      <a16:colId xmlns:a16="http://schemas.microsoft.com/office/drawing/2014/main" xmlns="" val="4253369018"/>
                     </a:ext>
                   </a:extLst>
                 </a:gridCol>
                 <a:gridCol w="2673927">
                   <a:extLst>
                     <a:ext uri="{9D8B030D-6E8A-4147-A177-3AD203B41FA5}">
-                      <a16:colId xmlns:a16="http://schemas.microsoft.com/office/drawing/2014/main" val="2493476619"/>
+                      <a16:colId xmlns:a16="http://schemas.microsoft.com/office/drawing/2014/main" xmlns="" val="2493476619"/>
                     </a:ext>
                   </a:extLst>
                 </a:gridCol>
                 <a:gridCol w="2673927">
                   <a:extLst>
                     <a:ext uri="{9D8B030D-6E8A-4147-A177-3AD203B41FA5}">
-                      <a16:colId xmlns:a16="http://schemas.microsoft.com/office/drawing/2014/main" val="4088115938"/>
+                      <a16:colId xmlns:a16="http://schemas.microsoft.com/office/drawing/2014/main" xmlns="" val="4088115938"/>
                     </a:ext>
                   </a:extLst>
                 </a:gridCol>
@@ -5641,7 +5720,7 @@
                 </a:tc>
                 <a:extLst>
                   <a:ext uri="{0D108BD9-81ED-4DB2-BD59-A6C34878D82A}">
-                    <a16:rowId xmlns:a16="http://schemas.microsoft.com/office/drawing/2014/main" val="3763607638"/>
+                    <a16:rowId xmlns:a16="http://schemas.microsoft.com/office/drawing/2014/main" xmlns="" val="3763607638"/>
                   </a:ext>
                 </a:extLst>
               </a:tr>
@@ -5704,7 +5783,7 @@
                 </a:tc>
                 <a:extLst>
                   <a:ext uri="{0D108BD9-81ED-4DB2-BD59-A6C34878D82A}">
-                    <a16:rowId xmlns:a16="http://schemas.microsoft.com/office/drawing/2014/main" val="452128957"/>
+                    <a16:rowId xmlns:a16="http://schemas.microsoft.com/office/drawing/2014/main" xmlns="" val="452128957"/>
                   </a:ext>
                 </a:extLst>
               </a:tr>
@@ -5767,7 +5846,7 @@
                 </a:tc>
                 <a:extLst>
                   <a:ext uri="{0D108BD9-81ED-4DB2-BD59-A6C34878D82A}">
-                    <a16:rowId xmlns:a16="http://schemas.microsoft.com/office/drawing/2014/main" val="1389396075"/>
+                    <a16:rowId xmlns:a16="http://schemas.microsoft.com/office/drawing/2014/main" xmlns="" val="1389396075"/>
                   </a:ext>
                 </a:extLst>
               </a:tr>
@@ -5830,7 +5909,7 @@
                 </a:tc>
                 <a:extLst>
                   <a:ext uri="{0D108BD9-81ED-4DB2-BD59-A6C34878D82A}">
-                    <a16:rowId xmlns:a16="http://schemas.microsoft.com/office/drawing/2014/main" val="3155191250"/>
+                    <a16:rowId xmlns:a16="http://schemas.microsoft.com/office/drawing/2014/main" xmlns="" val="3155191250"/>
                   </a:ext>
                 </a:extLst>
               </a:tr>
@@ -5843,7 +5922,7 @@
           <p:cNvPr id="9" name="CasellaDiTesto 8">
             <a:extLst>
               <a:ext uri="{FF2B5EF4-FFF2-40B4-BE49-F238E27FC236}">
-                <a16:creationId xmlns:a16="http://schemas.microsoft.com/office/drawing/2014/main" id="{4DC5B288-E6F0-4A21-9A7F-B184879CAFA3}"/>
+                <a16:creationId xmlns:a16="http://schemas.microsoft.com/office/drawing/2014/main" xmlns="" id="{4DC5B288-E6F0-4A21-9A7F-B184879CAFA3}"/>
               </a:ext>
             </a:extLst>
           </p:cNvPr>
@@ -5882,7 +5961,7 @@
           <p:cNvPr id="11" name="Tabella 10">
             <a:extLst>
               <a:ext uri="{FF2B5EF4-FFF2-40B4-BE49-F238E27FC236}">
-                <a16:creationId xmlns:a16="http://schemas.microsoft.com/office/drawing/2014/main" id="{04EC729E-416A-493F-988C-E5FF8CC2013D}"/>
+                <a16:creationId xmlns:a16="http://schemas.microsoft.com/office/drawing/2014/main" xmlns="" id="{04EC729E-416A-493F-988C-E5FF8CC2013D}"/>
               </a:ext>
             </a:extLst>
           </p:cNvPr>
@@ -5911,14 +5990,14 @@
                 <a:gridCol w="1868742">
                   <a:extLst>
                     <a:ext uri="{9D8B030D-6E8A-4147-A177-3AD203B41FA5}">
-                      <a16:colId xmlns:a16="http://schemas.microsoft.com/office/drawing/2014/main" val="2299049495"/>
+                      <a16:colId xmlns:a16="http://schemas.microsoft.com/office/drawing/2014/main" xmlns="" val="2299049495"/>
                     </a:ext>
                   </a:extLst>
                 </a:gridCol>
                 <a:gridCol w="1932132">
                   <a:extLst>
                     <a:ext uri="{9D8B030D-6E8A-4147-A177-3AD203B41FA5}">
-                      <a16:colId xmlns:a16="http://schemas.microsoft.com/office/drawing/2014/main" val="1276306229"/>
+                      <a16:colId xmlns:a16="http://schemas.microsoft.com/office/drawing/2014/main" xmlns="" val="1276306229"/>
                     </a:ext>
                   </a:extLst>
                 </a:gridCol>
@@ -5958,7 +6037,7 @@
                 </a:tc>
                 <a:extLst>
                   <a:ext uri="{0D108BD9-81ED-4DB2-BD59-A6C34878D82A}">
-                    <a16:rowId xmlns:a16="http://schemas.microsoft.com/office/drawing/2014/main" val="1744401768"/>
+                    <a16:rowId xmlns:a16="http://schemas.microsoft.com/office/drawing/2014/main" xmlns="" val="1744401768"/>
                   </a:ext>
                 </a:extLst>
               </a:tr>
@@ -5979,7 +6058,7 @@
   <p:timing>
     <p:tnLst>
       <p:par>
-        <p:cTn id="1" dur="indefinite" restart="never" nodeType="tmRoot">
+        <p:cTn xmlns:p14="http://schemas.microsoft.com/office/powerpoint/2010/main" id="1" dur="indefinite" restart="never" nodeType="tmRoot">
           <p:childTnLst>
             <p:seq concurrent="1" nextAc="seek">
               <p:cTn id="2" dur="indefinite" nodeType="mainSeq">
@@ -6130,7 +6209,7 @@
           <p:cNvPr id="6" name="Titolo 1">
             <a:extLst>
               <a:ext uri="{FF2B5EF4-FFF2-40B4-BE49-F238E27FC236}">
-                <a16:creationId xmlns:a16="http://schemas.microsoft.com/office/drawing/2014/main" id="{7E05CEE7-1F88-4ED9-9260-C1698B3ADE80}"/>
+                <a16:creationId xmlns:a16="http://schemas.microsoft.com/office/drawing/2014/main" xmlns="" id="{7E05CEE7-1F88-4ED9-9260-C1698B3ADE80}"/>
               </a:ext>
             </a:extLst>
           </p:cNvPr>
@@ -6162,7 +6241,7 @@
           <p:cNvPr id="3" name="Segnaposto contenuto 2">
             <a:extLst>
               <a:ext uri="{FF2B5EF4-FFF2-40B4-BE49-F238E27FC236}">
-                <a16:creationId xmlns:a16="http://schemas.microsoft.com/office/drawing/2014/main" id="{E579DD98-331A-4A4E-94BA-0B9992B55DE8}"/>
+                <a16:creationId xmlns:a16="http://schemas.microsoft.com/office/drawing/2014/main" xmlns="" id="{E579DD98-331A-4A4E-94BA-0B9992B55DE8}"/>
               </a:ext>
             </a:extLst>
           </p:cNvPr>
@@ -6215,7 +6294,7 @@
           <p:cNvPr id="4" name="Segnaposto piè di pagina 3">
             <a:extLst>
               <a:ext uri="{FF2B5EF4-FFF2-40B4-BE49-F238E27FC236}">
-                <a16:creationId xmlns:a16="http://schemas.microsoft.com/office/drawing/2014/main" id="{8148F9A2-B61B-44CC-97C4-5F933303FF12}"/>
+                <a16:creationId xmlns:a16="http://schemas.microsoft.com/office/drawing/2014/main" xmlns="" id="{8148F9A2-B61B-44CC-97C4-5F933303FF12}"/>
               </a:ext>
             </a:extLst>
           </p:cNvPr>
@@ -6255,7 +6334,7 @@
           <p:cNvPr id="5" name="Segnaposto numero diapositiva 4">
             <a:extLst>
               <a:ext uri="{FF2B5EF4-FFF2-40B4-BE49-F238E27FC236}">
-                <a16:creationId xmlns:a16="http://schemas.microsoft.com/office/drawing/2014/main" id="{DECD9FFE-7CC4-4AFE-8DBE-CDE7150867C8}"/>
+                <a16:creationId xmlns:a16="http://schemas.microsoft.com/office/drawing/2014/main" xmlns="" id="{DECD9FFE-7CC4-4AFE-8DBE-CDE7150867C8}"/>
               </a:ext>
             </a:extLst>
           </p:cNvPr>
@@ -6284,7 +6363,7 @@
           <p:cNvPr id="7" name="Connettore diritto 6">
             <a:extLst>
               <a:ext uri="{FF2B5EF4-FFF2-40B4-BE49-F238E27FC236}">
-                <a16:creationId xmlns:a16="http://schemas.microsoft.com/office/drawing/2014/main" id="{3B5D521B-58BE-4A5D-98E2-9A9F4D73315B}"/>
+                <a16:creationId xmlns:a16="http://schemas.microsoft.com/office/drawing/2014/main" xmlns="" id="{3B5D521B-58BE-4A5D-98E2-9A9F4D73315B}"/>
               </a:ext>
             </a:extLst>
           </p:cNvPr>
@@ -6320,7 +6399,7 @@
           <p:cNvPr id="8" name="Tabella 7">
             <a:extLst>
               <a:ext uri="{FF2B5EF4-FFF2-40B4-BE49-F238E27FC236}">
-                <a16:creationId xmlns:a16="http://schemas.microsoft.com/office/drawing/2014/main" id="{F09F4FFA-5B1B-4DF6-AC26-1B6B29B7A6B4}"/>
+                <a16:creationId xmlns:a16="http://schemas.microsoft.com/office/drawing/2014/main" xmlns="" id="{F09F4FFA-5B1B-4DF6-AC26-1B6B29B7A6B4}"/>
               </a:ext>
             </a:extLst>
           </p:cNvPr>
@@ -6349,28 +6428,28 @@
                 <a:gridCol w="1607128">
                   <a:extLst>
                     <a:ext uri="{9D8B030D-6E8A-4147-A177-3AD203B41FA5}">
-                      <a16:colId xmlns:a16="http://schemas.microsoft.com/office/drawing/2014/main" val="3062765408"/>
+                      <a16:colId xmlns:a16="http://schemas.microsoft.com/office/drawing/2014/main" xmlns="" val="3062765408"/>
                     </a:ext>
                   </a:extLst>
                 </a:gridCol>
                 <a:gridCol w="3740726">
                   <a:extLst>
                     <a:ext uri="{9D8B030D-6E8A-4147-A177-3AD203B41FA5}">
-                      <a16:colId xmlns:a16="http://schemas.microsoft.com/office/drawing/2014/main" val="4253369018"/>
+                      <a16:colId xmlns:a16="http://schemas.microsoft.com/office/drawing/2014/main" xmlns="" val="4253369018"/>
                     </a:ext>
                   </a:extLst>
                 </a:gridCol>
                 <a:gridCol w="2673927">
                   <a:extLst>
                     <a:ext uri="{9D8B030D-6E8A-4147-A177-3AD203B41FA5}">
-                      <a16:colId xmlns:a16="http://schemas.microsoft.com/office/drawing/2014/main" val="2493476619"/>
+                      <a16:colId xmlns:a16="http://schemas.microsoft.com/office/drawing/2014/main" xmlns="" val="2493476619"/>
                     </a:ext>
                   </a:extLst>
                 </a:gridCol>
                 <a:gridCol w="2673927">
                   <a:extLst>
                     <a:ext uri="{9D8B030D-6E8A-4147-A177-3AD203B41FA5}">
-                      <a16:colId xmlns:a16="http://schemas.microsoft.com/office/drawing/2014/main" val="4088115938"/>
+                      <a16:colId xmlns:a16="http://schemas.microsoft.com/office/drawing/2014/main" xmlns="" val="4088115938"/>
                     </a:ext>
                   </a:extLst>
                 </a:gridCol>
@@ -6431,7 +6510,7 @@
                 </a:tc>
                 <a:extLst>
                   <a:ext uri="{0D108BD9-81ED-4DB2-BD59-A6C34878D82A}">
-                    <a16:rowId xmlns:a16="http://schemas.microsoft.com/office/drawing/2014/main" val="3763607638"/>
+                    <a16:rowId xmlns:a16="http://schemas.microsoft.com/office/drawing/2014/main" xmlns="" val="3763607638"/>
                   </a:ext>
                 </a:extLst>
               </a:tr>
@@ -6494,7 +6573,7 @@
                 </a:tc>
                 <a:extLst>
                   <a:ext uri="{0D108BD9-81ED-4DB2-BD59-A6C34878D82A}">
-                    <a16:rowId xmlns:a16="http://schemas.microsoft.com/office/drawing/2014/main" val="452128957"/>
+                    <a16:rowId xmlns:a16="http://schemas.microsoft.com/office/drawing/2014/main" xmlns="" val="452128957"/>
                   </a:ext>
                 </a:extLst>
               </a:tr>
@@ -6557,7 +6636,7 @@
                 </a:tc>
                 <a:extLst>
                   <a:ext uri="{0D108BD9-81ED-4DB2-BD59-A6C34878D82A}">
-                    <a16:rowId xmlns:a16="http://schemas.microsoft.com/office/drawing/2014/main" val="1389396075"/>
+                    <a16:rowId xmlns:a16="http://schemas.microsoft.com/office/drawing/2014/main" xmlns="" val="1389396075"/>
                   </a:ext>
                 </a:extLst>
               </a:tr>
@@ -6620,7 +6699,7 @@
                 </a:tc>
                 <a:extLst>
                   <a:ext uri="{0D108BD9-81ED-4DB2-BD59-A6C34878D82A}">
-                    <a16:rowId xmlns:a16="http://schemas.microsoft.com/office/drawing/2014/main" val="3155191250"/>
+                    <a16:rowId xmlns:a16="http://schemas.microsoft.com/office/drawing/2014/main" xmlns="" val="3155191250"/>
                   </a:ext>
                 </a:extLst>
               </a:tr>
@@ -6633,7 +6712,7 @@
           <p:cNvPr id="9" name="Tabella 8">
             <a:extLst>
               <a:ext uri="{FF2B5EF4-FFF2-40B4-BE49-F238E27FC236}">
-                <a16:creationId xmlns:a16="http://schemas.microsoft.com/office/drawing/2014/main" id="{D2AF3390-54DD-40D2-9289-5F15A2754780}"/>
+                <a16:creationId xmlns:a16="http://schemas.microsoft.com/office/drawing/2014/main" xmlns="" id="{D2AF3390-54DD-40D2-9289-5F15A2754780}"/>
               </a:ext>
             </a:extLst>
           </p:cNvPr>
@@ -6662,14 +6741,14 @@
                 <a:gridCol w="1868742">
                   <a:extLst>
                     <a:ext uri="{9D8B030D-6E8A-4147-A177-3AD203B41FA5}">
-                      <a16:colId xmlns:a16="http://schemas.microsoft.com/office/drawing/2014/main" val="2299049495"/>
+                      <a16:colId xmlns:a16="http://schemas.microsoft.com/office/drawing/2014/main" xmlns="" val="2299049495"/>
                     </a:ext>
                   </a:extLst>
                 </a:gridCol>
                 <a:gridCol w="1932132">
                   <a:extLst>
                     <a:ext uri="{9D8B030D-6E8A-4147-A177-3AD203B41FA5}">
-                      <a16:colId xmlns:a16="http://schemas.microsoft.com/office/drawing/2014/main" val="1276306229"/>
+                      <a16:colId xmlns:a16="http://schemas.microsoft.com/office/drawing/2014/main" xmlns="" val="1276306229"/>
                     </a:ext>
                   </a:extLst>
                 </a:gridCol>
@@ -6709,7 +6788,7 @@
                 </a:tc>
                 <a:extLst>
                   <a:ext uri="{0D108BD9-81ED-4DB2-BD59-A6C34878D82A}">
-                    <a16:rowId xmlns:a16="http://schemas.microsoft.com/office/drawing/2014/main" val="1744401768"/>
+                    <a16:rowId xmlns:a16="http://schemas.microsoft.com/office/drawing/2014/main" xmlns="" val="1744401768"/>
                   </a:ext>
                 </a:extLst>
               </a:tr>
@@ -6722,7 +6801,7 @@
           <p:cNvPr id="10" name="CasellaDiTesto 9">
             <a:extLst>
               <a:ext uri="{FF2B5EF4-FFF2-40B4-BE49-F238E27FC236}">
-                <a16:creationId xmlns:a16="http://schemas.microsoft.com/office/drawing/2014/main" id="{5FCC142C-F96A-4B02-95C2-CA6AA6E07BC8}"/>
+                <a16:creationId xmlns:a16="http://schemas.microsoft.com/office/drawing/2014/main" xmlns="" id="{5FCC142C-F96A-4B02-95C2-CA6AA6E07BC8}"/>
               </a:ext>
             </a:extLst>
           </p:cNvPr>
@@ -6769,7 +6848,7 @@
   <p:timing>
     <p:tnLst>
       <p:par>
-        <p:cTn id="1" dur="indefinite" restart="never" nodeType="tmRoot">
+        <p:cTn xmlns:p14="http://schemas.microsoft.com/office/powerpoint/2010/main" id="1" dur="indefinite" restart="never" nodeType="tmRoot">
           <p:childTnLst>
             <p:seq concurrent="1" nextAc="seek">
               <p:cTn id="2" dur="indefinite" nodeType="mainSeq">
@@ -6920,7 +6999,7 @@
           <p:cNvPr id="6" name="Titolo 1">
             <a:extLst>
               <a:ext uri="{FF2B5EF4-FFF2-40B4-BE49-F238E27FC236}">
-                <a16:creationId xmlns:a16="http://schemas.microsoft.com/office/drawing/2014/main" id="{3410DA5B-46F3-4119-ADD3-58DB0766AB4C}"/>
+                <a16:creationId xmlns:a16="http://schemas.microsoft.com/office/drawing/2014/main" xmlns="" id="{3410DA5B-46F3-4119-ADD3-58DB0766AB4C}"/>
               </a:ext>
             </a:extLst>
           </p:cNvPr>
@@ -6957,7 +7036,7 @@
           <p:cNvPr id="3" name="Segnaposto contenuto 2">
             <a:extLst>
               <a:ext uri="{FF2B5EF4-FFF2-40B4-BE49-F238E27FC236}">
-                <a16:creationId xmlns:a16="http://schemas.microsoft.com/office/drawing/2014/main" id="{E579DD98-331A-4A4E-94BA-0B9992B55DE8}"/>
+                <a16:creationId xmlns:a16="http://schemas.microsoft.com/office/drawing/2014/main" xmlns="" id="{E579DD98-331A-4A4E-94BA-0B9992B55DE8}"/>
               </a:ext>
             </a:extLst>
           </p:cNvPr>
@@ -7004,7 +7083,7 @@
           <p:cNvPr id="4" name="Segnaposto piè di pagina 3">
             <a:extLst>
               <a:ext uri="{FF2B5EF4-FFF2-40B4-BE49-F238E27FC236}">
-                <a16:creationId xmlns:a16="http://schemas.microsoft.com/office/drawing/2014/main" id="{8148F9A2-B61B-44CC-97C4-5F933303FF12}"/>
+                <a16:creationId xmlns:a16="http://schemas.microsoft.com/office/drawing/2014/main" xmlns="" id="{8148F9A2-B61B-44CC-97C4-5F933303FF12}"/>
               </a:ext>
             </a:extLst>
           </p:cNvPr>
@@ -7044,7 +7123,7 @@
           <p:cNvPr id="5" name="Segnaposto numero diapositiva 4">
             <a:extLst>
               <a:ext uri="{FF2B5EF4-FFF2-40B4-BE49-F238E27FC236}">
-                <a16:creationId xmlns:a16="http://schemas.microsoft.com/office/drawing/2014/main" id="{DECD9FFE-7CC4-4AFE-8DBE-CDE7150867C8}"/>
+                <a16:creationId xmlns:a16="http://schemas.microsoft.com/office/drawing/2014/main" xmlns="" id="{DECD9FFE-7CC4-4AFE-8DBE-CDE7150867C8}"/>
               </a:ext>
             </a:extLst>
           </p:cNvPr>
@@ -7073,7 +7152,7 @@
           <p:cNvPr id="7" name="Connettore diritto 6">
             <a:extLst>
               <a:ext uri="{FF2B5EF4-FFF2-40B4-BE49-F238E27FC236}">
-                <a16:creationId xmlns:a16="http://schemas.microsoft.com/office/drawing/2014/main" id="{AEDB1DB7-C815-4E82-963D-FC7A01A5B3A8}"/>
+                <a16:creationId xmlns:a16="http://schemas.microsoft.com/office/drawing/2014/main" xmlns="" id="{AEDB1DB7-C815-4E82-963D-FC7A01A5B3A8}"/>
               </a:ext>
             </a:extLst>
           </p:cNvPr>
@@ -7109,7 +7188,7 @@
           <p:cNvPr id="8" name="Tabella 7">
             <a:extLst>
               <a:ext uri="{FF2B5EF4-FFF2-40B4-BE49-F238E27FC236}">
-                <a16:creationId xmlns:a16="http://schemas.microsoft.com/office/drawing/2014/main" id="{B84AD5A4-D378-4AFF-9E90-0D76A72B3666}"/>
+                <a16:creationId xmlns:a16="http://schemas.microsoft.com/office/drawing/2014/main" xmlns="" id="{B84AD5A4-D378-4AFF-9E90-0D76A72B3666}"/>
               </a:ext>
             </a:extLst>
           </p:cNvPr>
@@ -7119,7 +7198,7 @@
           <p:nvPr>
             <p:extLst>
               <p:ext uri="{D42A27DB-BD31-4B8C-83A1-F6EECF244321}">
-                <p14:modId xmlns:p14="http://schemas.microsoft.com/office/powerpoint/2010/main" val="4158106704"/>
+                <p14:modId xmlns:p14="http://schemas.microsoft.com/office/powerpoint/2010/main" val="1499862326"/>
               </p:ext>
             </p:extLst>
           </p:nvPr>
@@ -7138,28 +7217,28 @@
                 <a:gridCol w="1607128">
                   <a:extLst>
                     <a:ext uri="{9D8B030D-6E8A-4147-A177-3AD203B41FA5}">
-                      <a16:colId xmlns:a16="http://schemas.microsoft.com/office/drawing/2014/main" val="3062765408"/>
+                      <a16:colId xmlns:a16="http://schemas.microsoft.com/office/drawing/2014/main" xmlns="" val="3062765408"/>
                     </a:ext>
                   </a:extLst>
                 </a:gridCol>
                 <a:gridCol w="3740726">
                   <a:extLst>
                     <a:ext uri="{9D8B030D-6E8A-4147-A177-3AD203B41FA5}">
-                      <a16:colId xmlns:a16="http://schemas.microsoft.com/office/drawing/2014/main" val="4253369018"/>
+                      <a16:colId xmlns:a16="http://schemas.microsoft.com/office/drawing/2014/main" xmlns="" val="4253369018"/>
                     </a:ext>
                   </a:extLst>
                 </a:gridCol>
                 <a:gridCol w="2673927">
                   <a:extLst>
                     <a:ext uri="{9D8B030D-6E8A-4147-A177-3AD203B41FA5}">
-                      <a16:colId xmlns:a16="http://schemas.microsoft.com/office/drawing/2014/main" val="2493476619"/>
+                      <a16:colId xmlns:a16="http://schemas.microsoft.com/office/drawing/2014/main" xmlns="" val="2493476619"/>
                     </a:ext>
                   </a:extLst>
                 </a:gridCol>
                 <a:gridCol w="2673927">
                   <a:extLst>
                     <a:ext uri="{9D8B030D-6E8A-4147-A177-3AD203B41FA5}">
-                      <a16:colId xmlns:a16="http://schemas.microsoft.com/office/drawing/2014/main" val="4088115938"/>
+                      <a16:colId xmlns:a16="http://schemas.microsoft.com/office/drawing/2014/main" xmlns="" val="4088115938"/>
                     </a:ext>
                   </a:extLst>
                 </a:gridCol>
@@ -7172,7 +7251,11 @@
                     <a:p>
                       <a:pPr algn="ctr"/>
                       <a:r>
-                        <a:rPr lang="it-IT" dirty="0"/>
+                        <a:rPr lang="it-IT" dirty="0">
+                          <a:solidFill>
+                            <a:srgbClr val="FFD966"/>
+                          </a:solidFill>
+                        </a:rPr>
                         <a:t>1 solo output</a:t>
                       </a:r>
                     </a:p>
@@ -7223,7 +7306,7 @@
                 </a:tc>
                 <a:extLst>
                   <a:ext uri="{0D108BD9-81ED-4DB2-BD59-A6C34878D82A}">
-                    <a16:rowId xmlns:a16="http://schemas.microsoft.com/office/drawing/2014/main" val="3763607638"/>
+                    <a16:rowId xmlns:a16="http://schemas.microsoft.com/office/drawing/2014/main" xmlns="" val="3763607638"/>
                   </a:ext>
                 </a:extLst>
               </a:tr>
@@ -7286,7 +7369,7 @@
                 </a:tc>
                 <a:extLst>
                   <a:ext uri="{0D108BD9-81ED-4DB2-BD59-A6C34878D82A}">
-                    <a16:rowId xmlns:a16="http://schemas.microsoft.com/office/drawing/2014/main" val="452128957"/>
+                    <a16:rowId xmlns:a16="http://schemas.microsoft.com/office/drawing/2014/main" xmlns="" val="452128957"/>
                   </a:ext>
                 </a:extLst>
               </a:tr>
@@ -7349,7 +7432,7 @@
                 </a:tc>
                 <a:extLst>
                   <a:ext uri="{0D108BD9-81ED-4DB2-BD59-A6C34878D82A}">
-                    <a16:rowId xmlns:a16="http://schemas.microsoft.com/office/drawing/2014/main" val="1389396075"/>
+                    <a16:rowId xmlns:a16="http://schemas.microsoft.com/office/drawing/2014/main" xmlns="" val="1389396075"/>
                   </a:ext>
                 </a:extLst>
               </a:tr>
@@ -7412,7 +7495,7 @@
                 </a:tc>
                 <a:extLst>
                   <a:ext uri="{0D108BD9-81ED-4DB2-BD59-A6C34878D82A}">
-                    <a16:rowId xmlns:a16="http://schemas.microsoft.com/office/drawing/2014/main" val="3155191250"/>
+                    <a16:rowId xmlns:a16="http://schemas.microsoft.com/office/drawing/2014/main" xmlns="" val="3155191250"/>
                   </a:ext>
                 </a:extLst>
               </a:tr>
@@ -7425,7 +7508,7 @@
           <p:cNvPr id="9" name="CasellaDiTesto 8">
             <a:extLst>
               <a:ext uri="{FF2B5EF4-FFF2-40B4-BE49-F238E27FC236}">
-                <a16:creationId xmlns:a16="http://schemas.microsoft.com/office/drawing/2014/main" id="{D05DE745-AD85-413A-87EE-E292D3C07EAE}"/>
+                <a16:creationId xmlns:a16="http://schemas.microsoft.com/office/drawing/2014/main" xmlns="" id="{D05DE745-AD85-413A-87EE-E292D3C07EAE}"/>
               </a:ext>
             </a:extLst>
           </p:cNvPr>
@@ -7464,7 +7547,7 @@
           <p:cNvPr id="10" name="Tabella 9">
             <a:extLst>
               <a:ext uri="{FF2B5EF4-FFF2-40B4-BE49-F238E27FC236}">
-                <a16:creationId xmlns:a16="http://schemas.microsoft.com/office/drawing/2014/main" id="{1E9D29B1-D33E-4279-9F16-22404F86F1EE}"/>
+                <a16:creationId xmlns:a16="http://schemas.microsoft.com/office/drawing/2014/main" xmlns="" id="{1E9D29B1-D33E-4279-9F16-22404F86F1EE}"/>
               </a:ext>
             </a:extLst>
           </p:cNvPr>
@@ -7493,14 +7576,14 @@
                 <a:gridCol w="1868742">
                   <a:extLst>
                     <a:ext uri="{9D8B030D-6E8A-4147-A177-3AD203B41FA5}">
-                      <a16:colId xmlns:a16="http://schemas.microsoft.com/office/drawing/2014/main" val="2299049495"/>
+                      <a16:colId xmlns:a16="http://schemas.microsoft.com/office/drawing/2014/main" xmlns="" val="2299049495"/>
                     </a:ext>
                   </a:extLst>
                 </a:gridCol>
                 <a:gridCol w="1932132">
                   <a:extLst>
                     <a:ext uri="{9D8B030D-6E8A-4147-A177-3AD203B41FA5}">
-                      <a16:colId xmlns:a16="http://schemas.microsoft.com/office/drawing/2014/main" val="1276306229"/>
+                      <a16:colId xmlns:a16="http://schemas.microsoft.com/office/drawing/2014/main" xmlns="" val="1276306229"/>
                     </a:ext>
                   </a:extLst>
                 </a:gridCol>
@@ -7540,7 +7623,7 @@
                 </a:tc>
                 <a:extLst>
                   <a:ext uri="{0D108BD9-81ED-4DB2-BD59-A6C34878D82A}">
-                    <a16:rowId xmlns:a16="http://schemas.microsoft.com/office/drawing/2014/main" val="1744401768"/>
+                    <a16:rowId xmlns:a16="http://schemas.microsoft.com/office/drawing/2014/main" xmlns="" val="1744401768"/>
                   </a:ext>
                 </a:extLst>
               </a:tr>
@@ -7553,7 +7636,7 @@
           <p:cNvPr id="11" name="Tabella 10">
             <a:extLst>
               <a:ext uri="{FF2B5EF4-FFF2-40B4-BE49-F238E27FC236}">
-                <a16:creationId xmlns:a16="http://schemas.microsoft.com/office/drawing/2014/main" id="{6DB7E34E-42DC-4B81-A6BC-9A3F70AAA819}"/>
+                <a16:creationId xmlns:a16="http://schemas.microsoft.com/office/drawing/2014/main" xmlns="" id="{6DB7E34E-42DC-4B81-A6BC-9A3F70AAA819}"/>
               </a:ext>
             </a:extLst>
           </p:cNvPr>
@@ -7563,13 +7646,13 @@
           <p:nvPr>
             <p:extLst>
               <p:ext uri="{D42A27DB-BD31-4B8C-83A1-F6EECF244321}">
-                <p14:modId xmlns:p14="http://schemas.microsoft.com/office/powerpoint/2010/main" val="2783467411"/>
+                <p14:modId xmlns:p14="http://schemas.microsoft.com/office/powerpoint/2010/main" val="2527564937"/>
               </p:ext>
             </p:extLst>
           </p:nvPr>
         </p:nvGraphicFramePr>
         <p:xfrm>
-          <a:off x="905164" y="2988558"/>
+          <a:off x="905166" y="2988559"/>
           <a:ext cx="10695708" cy="2590799"/>
         </p:xfrm>
         <a:graphic>
@@ -7582,28 +7665,28 @@
                 <a:gridCol w="1607128">
                   <a:extLst>
                     <a:ext uri="{9D8B030D-6E8A-4147-A177-3AD203B41FA5}">
-                      <a16:colId xmlns:a16="http://schemas.microsoft.com/office/drawing/2014/main" val="3062765408"/>
+                      <a16:colId xmlns:a16="http://schemas.microsoft.com/office/drawing/2014/main" xmlns="" val="3062765408"/>
                     </a:ext>
                   </a:extLst>
                 </a:gridCol>
                 <a:gridCol w="3740726">
                   <a:extLst>
                     <a:ext uri="{9D8B030D-6E8A-4147-A177-3AD203B41FA5}">
-                      <a16:colId xmlns:a16="http://schemas.microsoft.com/office/drawing/2014/main" val="4253369018"/>
+                      <a16:colId xmlns:a16="http://schemas.microsoft.com/office/drawing/2014/main" xmlns="" val="4253369018"/>
                     </a:ext>
                   </a:extLst>
                 </a:gridCol>
                 <a:gridCol w="2673927">
                   <a:extLst>
                     <a:ext uri="{9D8B030D-6E8A-4147-A177-3AD203B41FA5}">
-                      <a16:colId xmlns:a16="http://schemas.microsoft.com/office/drawing/2014/main" val="2493476619"/>
+                      <a16:colId xmlns:a16="http://schemas.microsoft.com/office/drawing/2014/main" xmlns="" val="2493476619"/>
                     </a:ext>
                   </a:extLst>
                 </a:gridCol>
                 <a:gridCol w="2673927">
                   <a:extLst>
                     <a:ext uri="{9D8B030D-6E8A-4147-A177-3AD203B41FA5}">
-                      <a16:colId xmlns:a16="http://schemas.microsoft.com/office/drawing/2014/main" val="4088115938"/>
+                      <a16:colId xmlns:a16="http://schemas.microsoft.com/office/drawing/2014/main" xmlns="" val="4088115938"/>
                     </a:ext>
                   </a:extLst>
                 </a:gridCol>
@@ -7616,7 +7699,14 @@
                     <a:p>
                       <a:pPr algn="ctr"/>
                       <a:r>
-                        <a:rPr lang="it-IT" dirty="0"/>
+                        <a:rPr lang="it-IT" dirty="0">
+                          <a:solidFill>
+                            <a:schemeClr val="accent4">
+                              <a:lumMod val="60000"/>
+                              <a:lumOff val="40000"/>
+                            </a:schemeClr>
+                          </a:solidFill>
+                        </a:rPr>
                         <a:t>N output</a:t>
                       </a:r>
                     </a:p>
@@ -7667,7 +7757,7 @@
                 </a:tc>
                 <a:extLst>
                   <a:ext uri="{0D108BD9-81ED-4DB2-BD59-A6C34878D82A}">
-                    <a16:rowId xmlns:a16="http://schemas.microsoft.com/office/drawing/2014/main" val="3763607638"/>
+                    <a16:rowId xmlns:a16="http://schemas.microsoft.com/office/drawing/2014/main" xmlns="" val="3763607638"/>
                   </a:ext>
                 </a:extLst>
               </a:tr>
@@ -7730,7 +7820,7 @@
                 </a:tc>
                 <a:extLst>
                   <a:ext uri="{0D108BD9-81ED-4DB2-BD59-A6C34878D82A}">
-                    <a16:rowId xmlns:a16="http://schemas.microsoft.com/office/drawing/2014/main" val="452128957"/>
+                    <a16:rowId xmlns:a16="http://schemas.microsoft.com/office/drawing/2014/main" xmlns="" val="452128957"/>
                   </a:ext>
                 </a:extLst>
               </a:tr>
@@ -7793,7 +7883,7 @@
                 </a:tc>
                 <a:extLst>
                   <a:ext uri="{0D108BD9-81ED-4DB2-BD59-A6C34878D82A}">
-                    <a16:rowId xmlns:a16="http://schemas.microsoft.com/office/drawing/2014/main" val="1389396075"/>
+                    <a16:rowId xmlns:a16="http://schemas.microsoft.com/office/drawing/2014/main" xmlns="" val="1389396075"/>
                   </a:ext>
                 </a:extLst>
               </a:tr>
@@ -7856,7 +7946,7 @@
                 </a:tc>
                 <a:extLst>
                   <a:ext uri="{0D108BD9-81ED-4DB2-BD59-A6C34878D82A}">
-                    <a16:rowId xmlns:a16="http://schemas.microsoft.com/office/drawing/2014/main" val="3155191250"/>
+                    <a16:rowId xmlns:a16="http://schemas.microsoft.com/office/drawing/2014/main" xmlns="" val="3155191250"/>
                   </a:ext>
                 </a:extLst>
               </a:tr>
@@ -7869,7 +7959,7 @@
           <p:cNvPr id="12" name="Tabella 11">
             <a:extLst>
               <a:ext uri="{FF2B5EF4-FFF2-40B4-BE49-F238E27FC236}">
-                <a16:creationId xmlns:a16="http://schemas.microsoft.com/office/drawing/2014/main" id="{ACE2DE8F-38F1-489F-813E-3FCBB335E473}"/>
+                <a16:creationId xmlns:a16="http://schemas.microsoft.com/office/drawing/2014/main" xmlns="" id="{ACE2DE8F-38F1-489F-813E-3FCBB335E473}"/>
               </a:ext>
             </a:extLst>
           </p:cNvPr>
@@ -7898,14 +7988,14 @@
                 <a:gridCol w="1868742">
                   <a:extLst>
                     <a:ext uri="{9D8B030D-6E8A-4147-A177-3AD203B41FA5}">
-                      <a16:colId xmlns:a16="http://schemas.microsoft.com/office/drawing/2014/main" val="2299049495"/>
+                      <a16:colId xmlns:a16="http://schemas.microsoft.com/office/drawing/2014/main" xmlns="" val="2299049495"/>
                     </a:ext>
                   </a:extLst>
                 </a:gridCol>
                 <a:gridCol w="1932132">
                   <a:extLst>
                     <a:ext uri="{9D8B030D-6E8A-4147-A177-3AD203B41FA5}">
-                      <a16:colId xmlns:a16="http://schemas.microsoft.com/office/drawing/2014/main" val="1276306229"/>
+                      <a16:colId xmlns:a16="http://schemas.microsoft.com/office/drawing/2014/main" xmlns="" val="1276306229"/>
                     </a:ext>
                   </a:extLst>
                 </a:gridCol>
@@ -7945,7 +8035,7 @@
                 </a:tc>
                 <a:extLst>
                   <a:ext uri="{0D108BD9-81ED-4DB2-BD59-A6C34878D82A}">
-                    <a16:rowId xmlns:a16="http://schemas.microsoft.com/office/drawing/2014/main" val="1744401768"/>
+                    <a16:rowId xmlns:a16="http://schemas.microsoft.com/office/drawing/2014/main" xmlns="" val="1744401768"/>
                   </a:ext>
                 </a:extLst>
               </a:tr>
@@ -7966,7 +8056,7 @@
   <p:timing>
     <p:tnLst>
       <p:par>
-        <p:cTn id="1" dur="indefinite" restart="never" nodeType="tmRoot">
+        <p:cTn xmlns:p14="http://schemas.microsoft.com/office/powerpoint/2010/main" id="1" dur="indefinite" restart="never" nodeType="tmRoot">
           <p:childTnLst>
             <p:seq concurrent="1" nextAc="seek">
               <p:cTn id="2" dur="indefinite" nodeType="mainSeq">
@@ -8297,7 +8387,7 @@
           <p:cNvPr id="6" name="Titolo 1">
             <a:extLst>
               <a:ext uri="{FF2B5EF4-FFF2-40B4-BE49-F238E27FC236}">
-                <a16:creationId xmlns:a16="http://schemas.microsoft.com/office/drawing/2014/main" id="{96EC066D-927A-46B8-ABBF-0E5294C2E9E6}"/>
+                <a16:creationId xmlns:a16="http://schemas.microsoft.com/office/drawing/2014/main" xmlns="" id="{96EC066D-927A-46B8-ABBF-0E5294C2E9E6}"/>
               </a:ext>
             </a:extLst>
           </p:cNvPr>
@@ -8329,7 +8419,7 @@
           <p:cNvPr id="3" name="Segnaposto contenuto 2">
             <a:extLst>
               <a:ext uri="{FF2B5EF4-FFF2-40B4-BE49-F238E27FC236}">
-                <a16:creationId xmlns:a16="http://schemas.microsoft.com/office/drawing/2014/main" id="{E579DD98-331A-4A4E-94BA-0B9992B55DE8}"/>
+                <a16:creationId xmlns:a16="http://schemas.microsoft.com/office/drawing/2014/main" xmlns="" id="{E579DD98-331A-4A4E-94BA-0B9992B55DE8}"/>
               </a:ext>
             </a:extLst>
           </p:cNvPr>
@@ -8465,7 +8555,7 @@
           <p:cNvPr id="4" name="Segnaposto piè di pagina 3">
             <a:extLst>
               <a:ext uri="{FF2B5EF4-FFF2-40B4-BE49-F238E27FC236}">
-                <a16:creationId xmlns:a16="http://schemas.microsoft.com/office/drawing/2014/main" id="{8148F9A2-B61B-44CC-97C4-5F933303FF12}"/>
+                <a16:creationId xmlns:a16="http://schemas.microsoft.com/office/drawing/2014/main" xmlns="" id="{8148F9A2-B61B-44CC-97C4-5F933303FF12}"/>
               </a:ext>
             </a:extLst>
           </p:cNvPr>
@@ -8505,7 +8595,7 @@
           <p:cNvPr id="5" name="Segnaposto numero diapositiva 4">
             <a:extLst>
               <a:ext uri="{FF2B5EF4-FFF2-40B4-BE49-F238E27FC236}">
-                <a16:creationId xmlns:a16="http://schemas.microsoft.com/office/drawing/2014/main" id="{DECD9FFE-7CC4-4AFE-8DBE-CDE7150867C8}"/>
+                <a16:creationId xmlns:a16="http://schemas.microsoft.com/office/drawing/2014/main" xmlns="" id="{DECD9FFE-7CC4-4AFE-8DBE-CDE7150867C8}"/>
               </a:ext>
             </a:extLst>
           </p:cNvPr>
@@ -8534,7 +8624,7 @@
           <p:cNvPr id="7" name="Connettore diritto 6">
             <a:extLst>
               <a:ext uri="{FF2B5EF4-FFF2-40B4-BE49-F238E27FC236}">
-                <a16:creationId xmlns:a16="http://schemas.microsoft.com/office/drawing/2014/main" id="{65DD1E49-390D-4162-9993-337C75AD72F8}"/>
+                <a16:creationId xmlns:a16="http://schemas.microsoft.com/office/drawing/2014/main" xmlns="" id="{65DD1E49-390D-4162-9993-337C75AD72F8}"/>
               </a:ext>
             </a:extLst>
           </p:cNvPr>
@@ -8575,6 +8665,13 @@
   <p:clrMapOvr>
     <a:masterClrMapping/>
   </p:clrMapOvr>
+  <p:timing>
+    <p:tnLst>
+      <p:par>
+        <p:cTn xmlns:p14="http://schemas.microsoft.com/office/powerpoint/2010/main" id="1" dur="indefinite" restart="never" nodeType="tmRoot"/>
+      </p:par>
+    </p:tnLst>
+  </p:timing>
 </p:sld>
 </file>
 
@@ -8600,7 +8697,7 @@
           <p:cNvPr id="6" name="Titolo 1">
             <a:extLst>
               <a:ext uri="{FF2B5EF4-FFF2-40B4-BE49-F238E27FC236}">
-                <a16:creationId xmlns:a16="http://schemas.microsoft.com/office/drawing/2014/main" id="{96EC066D-927A-46B8-ABBF-0E5294C2E9E6}"/>
+                <a16:creationId xmlns:a16="http://schemas.microsoft.com/office/drawing/2014/main" xmlns="" id="{96EC066D-927A-46B8-ABBF-0E5294C2E9E6}"/>
               </a:ext>
             </a:extLst>
           </p:cNvPr>
@@ -8632,7 +8729,7 @@
           <p:cNvPr id="3" name="Segnaposto contenuto 2">
             <a:extLst>
               <a:ext uri="{FF2B5EF4-FFF2-40B4-BE49-F238E27FC236}">
-                <a16:creationId xmlns:a16="http://schemas.microsoft.com/office/drawing/2014/main" id="{E579DD98-331A-4A4E-94BA-0B9992B55DE8}"/>
+                <a16:creationId xmlns:a16="http://schemas.microsoft.com/office/drawing/2014/main" xmlns="" id="{E579DD98-331A-4A4E-94BA-0B9992B55DE8}"/>
               </a:ext>
             </a:extLst>
           </p:cNvPr>
@@ -8718,7 +8815,7 @@
           <p:cNvPr id="4" name="Segnaposto piè di pagina 3">
             <a:extLst>
               <a:ext uri="{FF2B5EF4-FFF2-40B4-BE49-F238E27FC236}">
-                <a16:creationId xmlns:a16="http://schemas.microsoft.com/office/drawing/2014/main" id="{8148F9A2-B61B-44CC-97C4-5F933303FF12}"/>
+                <a16:creationId xmlns:a16="http://schemas.microsoft.com/office/drawing/2014/main" xmlns="" id="{8148F9A2-B61B-44CC-97C4-5F933303FF12}"/>
               </a:ext>
             </a:extLst>
           </p:cNvPr>
@@ -8758,7 +8855,7 @@
           <p:cNvPr id="5" name="Segnaposto numero diapositiva 4">
             <a:extLst>
               <a:ext uri="{FF2B5EF4-FFF2-40B4-BE49-F238E27FC236}">
-                <a16:creationId xmlns:a16="http://schemas.microsoft.com/office/drawing/2014/main" id="{DECD9FFE-7CC4-4AFE-8DBE-CDE7150867C8}"/>
+                <a16:creationId xmlns:a16="http://schemas.microsoft.com/office/drawing/2014/main" xmlns="" id="{DECD9FFE-7CC4-4AFE-8DBE-CDE7150867C8}"/>
               </a:ext>
             </a:extLst>
           </p:cNvPr>
@@ -8787,7 +8884,7 @@
           <p:cNvPr id="7" name="Connettore diritto 6">
             <a:extLst>
               <a:ext uri="{FF2B5EF4-FFF2-40B4-BE49-F238E27FC236}">
-                <a16:creationId xmlns:a16="http://schemas.microsoft.com/office/drawing/2014/main" id="{65DD1E49-390D-4162-9993-337C75AD72F8}"/>
+                <a16:creationId xmlns:a16="http://schemas.microsoft.com/office/drawing/2014/main" xmlns="" id="{65DD1E49-390D-4162-9993-337C75AD72F8}"/>
               </a:ext>
             </a:extLst>
           </p:cNvPr>
@@ -8823,7 +8920,7 @@
           <p:cNvPr id="8" name="Immagine 7">
             <a:extLst>
               <a:ext uri="{FF2B5EF4-FFF2-40B4-BE49-F238E27FC236}">
-                <a16:creationId xmlns:a16="http://schemas.microsoft.com/office/drawing/2014/main" id="{E475BF37-E2CD-4B22-A8DF-B30B3BC24354}"/>
+                <a16:creationId xmlns:a16="http://schemas.microsoft.com/office/drawing/2014/main" xmlns="" id="{E475BF37-E2CD-4B22-A8DF-B30B3BC24354}"/>
               </a:ext>
             </a:extLst>
           </p:cNvPr>
@@ -8867,7 +8964,7 @@
   <p:timing>
     <p:tnLst>
       <p:par>
-        <p:cTn id="1" dur="indefinite" restart="never" nodeType="tmRoot">
+        <p:cTn xmlns:p14="http://schemas.microsoft.com/office/powerpoint/2010/main" id="1" dur="indefinite" restart="never" nodeType="tmRoot">
           <p:childTnLst>
             <p:seq concurrent="1" nextAc="seek">
               <p:cTn id="2" dur="indefinite" nodeType="mainSeq">
@@ -8985,7 +9082,7 @@
     </a:clrScheme>
     <a:fontScheme name="Office">
       <a:majorFont>
-        <a:latin typeface="Calibri Light" panose="020F0302020204030204"/>
+        <a:latin typeface="Calibri Light"/>
         <a:ea typeface=""/>
         <a:cs typeface=""/>
         <a:font script="Jpan" typeface="游ゴシック Light"/>
@@ -9037,7 +9134,7 @@
         <a:font script="Tfng" typeface="Ebrima"/>
       </a:majorFont>
       <a:minorFont>
-        <a:latin typeface="Calibri" panose="020F0502020204030204"/>
+        <a:latin typeface="Calibri"/>
         <a:ea typeface=""/>
         <a:cs typeface=""/>
         <a:font script="Jpan" typeface="游ゴシック"/>
@@ -9231,7 +9328,7 @@
   <a:extraClrSchemeLst/>
   <a:extLst>
     <a:ext uri="{05A4C25C-085E-4340-85A3-A5531E510DB2}">
-      <thm15:themeFamily xmlns:thm15="http://schemas.microsoft.com/office/thememl/2012/main" name="Office Theme" id="{62F939B6-93AF-4DB8-9C6B-D6C7DFDC589F}" vid="{4A3C46E8-61CC-4603-A589-7422A47A8E4A}"/>
+      <thm15:themeFamily xmlns:thm15="http://schemas.microsoft.com/office/thememl/2012/main" xmlns="" name="Office Theme" id="{62F939B6-93AF-4DB8-9C6B-D6C7DFDC589F}" vid="{4A3C46E8-61CC-4603-A589-7422A47A8E4A}"/>
     </a:ext>
   </a:extLst>
 </a:theme>
@@ -9280,7 +9377,7 @@
     </a:clrScheme>
     <a:fontScheme name="Office">
       <a:majorFont>
-        <a:latin typeface="Calibri Light" panose="020F0302020204030204"/>
+        <a:latin typeface="Calibri Light"/>
         <a:ea typeface=""/>
         <a:cs typeface=""/>
         <a:font script="Jpan" typeface="游ゴシック Light"/>
@@ -9332,7 +9429,7 @@
         <a:font script="Tfng" typeface="Ebrima"/>
       </a:majorFont>
       <a:minorFont>
-        <a:latin typeface="Calibri" panose="020F0502020204030204"/>
+        <a:latin typeface="Calibri"/>
         <a:ea typeface=""/>
         <a:cs typeface=""/>
         <a:font script="Jpan" typeface="游ゴシック"/>
@@ -9526,7 +9623,7 @@
   <a:extraClrSchemeLst/>
   <a:extLst>
     <a:ext uri="{05A4C25C-085E-4340-85A3-A5531E510DB2}">
-      <thm15:themeFamily xmlns:thm15="http://schemas.microsoft.com/office/thememl/2012/main" name="Office Theme" id="{62F939B6-93AF-4DB8-9C6B-D6C7DFDC589F}" vid="{4A3C46E8-61CC-4603-A589-7422A47A8E4A}"/>
+      <thm15:themeFamily xmlns:thm15="http://schemas.microsoft.com/office/thememl/2012/main" xmlns="" name="Office Theme" id="{62F939B6-93AF-4DB8-9C6B-D6C7DFDC589F}" vid="{4A3C46E8-61CC-4603-A589-7422A47A8E4A}"/>
     </a:ext>
   </a:extLst>
 </a:theme>
